--- a/CEPSem2024.pptx
+++ b/CEPSem2024.pptx
@@ -5,55 +5,56 @@
     <p:sldMasterId id="2147483648" r:id="rId1"/>
   </p:sldMasterIdLst>
   <p:notesMasterIdLst>
-    <p:notesMasterId r:id="rId48"/>
+    <p:notesMasterId r:id="rId49"/>
   </p:notesMasterIdLst>
   <p:sldIdLst>
     <p:sldId id="256" r:id="rId2"/>
     <p:sldId id="275" r:id="rId3"/>
     <p:sldId id="276" r:id="rId4"/>
-    <p:sldId id="269" r:id="rId5"/>
-    <p:sldId id="270" r:id="rId6"/>
-    <p:sldId id="271" r:id="rId7"/>
-    <p:sldId id="272" r:id="rId8"/>
-    <p:sldId id="277" r:id="rId9"/>
-    <p:sldId id="278" r:id="rId10"/>
-    <p:sldId id="273" r:id="rId11"/>
-    <p:sldId id="279" r:id="rId12"/>
-    <p:sldId id="291" r:id="rId13"/>
-    <p:sldId id="280" r:id="rId14"/>
-    <p:sldId id="292" r:id="rId15"/>
-    <p:sldId id="281" r:id="rId16"/>
-    <p:sldId id="282" r:id="rId17"/>
-    <p:sldId id="293" r:id="rId18"/>
-    <p:sldId id="274" r:id="rId19"/>
-    <p:sldId id="283" r:id="rId20"/>
-    <p:sldId id="284" r:id="rId21"/>
-    <p:sldId id="285" r:id="rId22"/>
-    <p:sldId id="294" r:id="rId23"/>
-    <p:sldId id="286" r:id="rId24"/>
-    <p:sldId id="287" r:id="rId25"/>
-    <p:sldId id="288" r:id="rId26"/>
-    <p:sldId id="289" r:id="rId27"/>
-    <p:sldId id="295" r:id="rId28"/>
-    <p:sldId id="296" r:id="rId29"/>
-    <p:sldId id="290" r:id="rId30"/>
-    <p:sldId id="297" r:id="rId31"/>
-    <p:sldId id="298" r:id="rId32"/>
-    <p:sldId id="299" r:id="rId33"/>
-    <p:sldId id="300" r:id="rId34"/>
-    <p:sldId id="301" r:id="rId35"/>
-    <p:sldId id="261" r:id="rId36"/>
-    <p:sldId id="257" r:id="rId37"/>
-    <p:sldId id="258" r:id="rId38"/>
-    <p:sldId id="259" r:id="rId39"/>
-    <p:sldId id="260" r:id="rId40"/>
-    <p:sldId id="262" r:id="rId41"/>
-    <p:sldId id="263" r:id="rId42"/>
-    <p:sldId id="264" r:id="rId43"/>
-    <p:sldId id="265" r:id="rId44"/>
-    <p:sldId id="266" r:id="rId45"/>
-    <p:sldId id="267" r:id="rId46"/>
-    <p:sldId id="268" r:id="rId47"/>
+    <p:sldId id="302" r:id="rId5"/>
+    <p:sldId id="303" r:id="rId6"/>
+    <p:sldId id="304" r:id="rId7"/>
+    <p:sldId id="271" r:id="rId8"/>
+    <p:sldId id="272" r:id="rId9"/>
+    <p:sldId id="277" r:id="rId10"/>
+    <p:sldId id="278" r:id="rId11"/>
+    <p:sldId id="273" r:id="rId12"/>
+    <p:sldId id="279" r:id="rId13"/>
+    <p:sldId id="291" r:id="rId14"/>
+    <p:sldId id="280" r:id="rId15"/>
+    <p:sldId id="292" r:id="rId16"/>
+    <p:sldId id="281" r:id="rId17"/>
+    <p:sldId id="282" r:id="rId18"/>
+    <p:sldId id="293" r:id="rId19"/>
+    <p:sldId id="274" r:id="rId20"/>
+    <p:sldId id="283" r:id="rId21"/>
+    <p:sldId id="284" r:id="rId22"/>
+    <p:sldId id="285" r:id="rId23"/>
+    <p:sldId id="294" r:id="rId24"/>
+    <p:sldId id="286" r:id="rId25"/>
+    <p:sldId id="287" r:id="rId26"/>
+    <p:sldId id="288" r:id="rId27"/>
+    <p:sldId id="289" r:id="rId28"/>
+    <p:sldId id="295" r:id="rId29"/>
+    <p:sldId id="296" r:id="rId30"/>
+    <p:sldId id="290" r:id="rId31"/>
+    <p:sldId id="297" r:id="rId32"/>
+    <p:sldId id="298" r:id="rId33"/>
+    <p:sldId id="299" r:id="rId34"/>
+    <p:sldId id="300" r:id="rId35"/>
+    <p:sldId id="301" r:id="rId36"/>
+    <p:sldId id="261" r:id="rId37"/>
+    <p:sldId id="257" r:id="rId38"/>
+    <p:sldId id="258" r:id="rId39"/>
+    <p:sldId id="259" r:id="rId40"/>
+    <p:sldId id="260" r:id="rId41"/>
+    <p:sldId id="262" r:id="rId42"/>
+    <p:sldId id="263" r:id="rId43"/>
+    <p:sldId id="264" r:id="rId44"/>
+    <p:sldId id="265" r:id="rId45"/>
+    <p:sldId id="266" r:id="rId46"/>
+    <p:sldId id="267" r:id="rId47"/>
+    <p:sldId id="268" r:id="rId48"/>
   </p:sldIdLst>
   <p:sldSz cx="12192000" cy="6858000"/>
   <p:notesSz cx="6858000" cy="9144000"/>
@@ -578,7 +579,7 @@
           <a:p>
             <a:fld id="{7A2F7173-935A-471D-A086-4F151DB2B2B9}" type="slidenum">
               <a:rPr lang="en-US" smtClean="0"/>
-              <a:t>8</a:t>
+              <a:t>9</a:t>
             </a:fld>
             <a:endParaRPr lang="en-US"/>
           </a:p>
@@ -666,7 +667,7 @@
           <a:p>
             <a:fld id="{7A2F7173-935A-471D-A086-4F151DB2B2B9}" type="slidenum">
               <a:rPr lang="en-US" smtClean="0"/>
-              <a:t>23</a:t>
+              <a:t>24</a:t>
             </a:fld>
             <a:endParaRPr lang="en-US"/>
           </a:p>
@@ -754,7 +755,7 @@
           <a:p>
             <a:fld id="{7A2F7173-935A-471D-A086-4F151DB2B2B9}" type="slidenum">
               <a:rPr lang="en-US" smtClean="0"/>
-              <a:t>24</a:t>
+              <a:t>25</a:t>
             </a:fld>
             <a:endParaRPr lang="en-US"/>
           </a:p>
@@ -842,7 +843,7 @@
           <a:p>
             <a:fld id="{7A2F7173-935A-471D-A086-4F151DB2B2B9}" type="slidenum">
               <a:rPr lang="en-US" smtClean="0"/>
-              <a:t>25</a:t>
+              <a:t>26</a:t>
             </a:fld>
             <a:endParaRPr lang="en-US"/>
           </a:p>
@@ -930,7 +931,7 @@
           <a:p>
             <a:fld id="{7A2F7173-935A-471D-A086-4F151DB2B2B9}" type="slidenum">
               <a:rPr lang="en-US" smtClean="0"/>
-              <a:t>26</a:t>
+              <a:t>27</a:t>
             </a:fld>
             <a:endParaRPr lang="en-US"/>
           </a:p>
@@ -1018,7 +1019,7 @@
           <a:p>
             <a:fld id="{7A2F7173-935A-471D-A086-4F151DB2B2B9}" type="slidenum">
               <a:rPr lang="en-US" smtClean="0"/>
-              <a:t>27</a:t>
+              <a:t>28</a:t>
             </a:fld>
             <a:endParaRPr lang="en-US"/>
           </a:p>
@@ -1106,7 +1107,7 @@
           <a:p>
             <a:fld id="{7A2F7173-935A-471D-A086-4F151DB2B2B9}" type="slidenum">
               <a:rPr lang="en-US" smtClean="0"/>
-              <a:t>28</a:t>
+              <a:t>29</a:t>
             </a:fld>
             <a:endParaRPr lang="en-US"/>
           </a:p>
@@ -1194,7 +1195,7 @@
           <a:p>
             <a:fld id="{7A2F7173-935A-471D-A086-4F151DB2B2B9}" type="slidenum">
               <a:rPr lang="en-US" smtClean="0"/>
-              <a:t>29</a:t>
+              <a:t>30</a:t>
             </a:fld>
             <a:endParaRPr lang="en-US"/>
           </a:p>
@@ -1282,7 +1283,7 @@
           <a:p>
             <a:fld id="{7A2F7173-935A-471D-A086-4F151DB2B2B9}" type="slidenum">
               <a:rPr lang="en-US" smtClean="0"/>
-              <a:t>30</a:t>
+              <a:t>31</a:t>
             </a:fld>
             <a:endParaRPr lang="en-US"/>
           </a:p>
@@ -1370,7 +1371,7 @@
           <a:p>
             <a:fld id="{7A2F7173-935A-471D-A086-4F151DB2B2B9}" type="slidenum">
               <a:rPr lang="en-US" smtClean="0"/>
-              <a:t>31</a:t>
+              <a:t>32</a:t>
             </a:fld>
             <a:endParaRPr lang="en-US"/>
           </a:p>
@@ -1458,7 +1459,7 @@
           <a:p>
             <a:fld id="{7A2F7173-935A-471D-A086-4F151DB2B2B9}" type="slidenum">
               <a:rPr lang="en-US" smtClean="0"/>
-              <a:t>32</a:t>
+              <a:t>33</a:t>
             </a:fld>
             <a:endParaRPr lang="en-US"/>
           </a:p>
@@ -1565,7 +1566,7 @@
           <a:p>
             <a:fld id="{7A2F7173-935A-471D-A086-4F151DB2B2B9}" type="slidenum">
               <a:rPr lang="en-US" smtClean="0"/>
-              <a:t>9</a:t>
+              <a:t>10</a:t>
             </a:fld>
             <a:endParaRPr lang="en-US"/>
           </a:p>
@@ -1653,7 +1654,7 @@
           <a:p>
             <a:fld id="{7A2F7173-935A-471D-A086-4F151DB2B2B9}" type="slidenum">
               <a:rPr lang="en-US" smtClean="0"/>
-              <a:t>33</a:t>
+              <a:t>34</a:t>
             </a:fld>
             <a:endParaRPr lang="en-US"/>
           </a:p>
@@ -1741,7 +1742,7 @@
           <a:p>
             <a:fld id="{7A2F7173-935A-471D-A086-4F151DB2B2B9}" type="slidenum">
               <a:rPr lang="en-US" smtClean="0"/>
-              <a:t>34</a:t>
+              <a:t>35</a:t>
             </a:fld>
             <a:endParaRPr lang="en-US"/>
           </a:p>
@@ -1825,7 +1826,7 @@
           <a:p>
             <a:fld id="{7A2F7173-935A-471D-A086-4F151DB2B2B9}" type="slidenum">
               <a:rPr lang="en-US" smtClean="0"/>
-              <a:t>37</a:t>
+              <a:t>38</a:t>
             </a:fld>
             <a:endParaRPr lang="en-US"/>
           </a:p>
@@ -1913,7 +1914,7 @@
           <a:p>
             <a:fld id="{7A2F7173-935A-471D-A086-4F151DB2B2B9}" type="slidenum">
               <a:rPr lang="en-US" smtClean="0"/>
-              <a:t>10</a:t>
+              <a:t>11</a:t>
             </a:fld>
             <a:endParaRPr lang="en-US"/>
           </a:p>
@@ -2001,7 +2002,7 @@
           <a:p>
             <a:fld id="{7A2F7173-935A-471D-A086-4F151DB2B2B9}" type="slidenum">
               <a:rPr lang="en-US" smtClean="0"/>
-              <a:t>11</a:t>
+              <a:t>12</a:t>
             </a:fld>
             <a:endParaRPr lang="en-US"/>
           </a:p>
@@ -2089,7 +2090,7 @@
           <a:p>
             <a:fld id="{7A2F7173-935A-471D-A086-4F151DB2B2B9}" type="slidenum">
               <a:rPr lang="en-US" smtClean="0"/>
-              <a:t>12</a:t>
+              <a:t>13</a:t>
             </a:fld>
             <a:endParaRPr lang="en-US"/>
           </a:p>
@@ -2173,7 +2174,7 @@
           <a:p>
             <a:fld id="{7A2F7173-935A-471D-A086-4F151DB2B2B9}" type="slidenum">
               <a:rPr lang="en-US" smtClean="0"/>
-              <a:t>18</a:t>
+              <a:t>19</a:t>
             </a:fld>
             <a:endParaRPr lang="en-US"/>
           </a:p>
@@ -2257,7 +2258,7 @@
           <a:p>
             <a:fld id="{7A2F7173-935A-471D-A086-4F151DB2B2B9}" type="slidenum">
               <a:rPr lang="en-US" smtClean="0"/>
-              <a:t>19</a:t>
+              <a:t>20</a:t>
             </a:fld>
             <a:endParaRPr lang="en-US"/>
           </a:p>
@@ -2341,7 +2342,7 @@
           <a:p>
             <a:fld id="{7A2F7173-935A-471D-A086-4F151DB2B2B9}" type="slidenum">
               <a:rPr lang="en-US" smtClean="0"/>
-              <a:t>20</a:t>
+              <a:t>21</a:t>
             </a:fld>
             <a:endParaRPr lang="en-US"/>
           </a:p>
@@ -2425,7 +2426,7 @@
           <a:p>
             <a:fld id="{7A2F7173-935A-471D-A086-4F151DB2B2B9}" type="slidenum">
               <a:rPr lang="en-US" smtClean="0"/>
-              <a:t>21</a:t>
+              <a:t>22</a:t>
             </a:fld>
             <a:endParaRPr lang="en-US"/>
           </a:p>
@@ -5765,13 +5766,7 @@
       </p:grpSpPr>
       <p:sp>
         <p:nvSpPr>
-          <p:cNvPr id="2" name="Title 1">
-            <a:extLst>
-              <a:ext uri="{FF2B5EF4-FFF2-40B4-BE49-F238E27FC236}">
-                <a16:creationId xmlns="" xmlns:a16="http://schemas.microsoft.com/office/drawing/2014/main" id="{1BD5A6DB-395B-4EFB-866A-87E4955A7D71}"/>
-              </a:ext>
-            </a:extLst>
-          </p:cNvPr>
+          <p:cNvPr id="2" name="Titre 1"/>
           <p:cNvSpPr>
             <a:spLocks noGrp="1"/>
           </p:cNvSpPr>
@@ -5786,24 +5781,15 @@
           <a:p>
             <a:r>
               <a:rPr lang="en-US" dirty="0" smtClean="0"/>
-              <a:t>EPL: </a:t>
-            </a:r>
-            <a:r>
-              <a:rPr lang="en-US" dirty="0"/>
-              <a:t>Operators</a:t>
-            </a:r>
-          </a:p>
-        </p:txBody>
-      </p:sp>
-      <p:sp>
-        <p:nvSpPr>
-          <p:cNvPr id="3" name="Content Placeholder 2">
-            <a:extLst>
-              <a:ext uri="{FF2B5EF4-FFF2-40B4-BE49-F238E27FC236}">
-                <a16:creationId xmlns="" xmlns:a16="http://schemas.microsoft.com/office/drawing/2014/main" id="{857FB9F0-C822-4FCD-B47D-FBF42B8CAA56}"/>
-              </a:ext>
-            </a:extLst>
-          </p:cNvPr>
+              <a:t>Event processing language (EPL)</a:t>
+            </a:r>
+            <a:endParaRPr lang="en-US" dirty="0"/>
+          </a:p>
+        </p:txBody>
+      </p:sp>
+      <p:sp>
+        <p:nvSpPr>
+          <p:cNvPr id="3" name="Espace réservé du contenu 2"/>
           <p:cNvSpPr>
             <a:spLocks noGrp="1"/>
           </p:cNvSpPr>
@@ -5813,53 +5799,64 @@
         </p:nvSpPr>
         <p:spPr/>
         <p:txBody>
-          <a:bodyPr>
-            <a:normAutofit lnSpcReduction="10000"/>
-          </a:bodyPr>
+          <a:bodyPr/>
           <a:lstStyle/>
           <a:p>
             <a:r>
               <a:rPr lang="en-US" dirty="0"/>
-              <a:t>Operators on events let a business situation be inferred or identified</a:t>
-            </a:r>
-          </a:p>
-          <a:p>
+              <a:t>The </a:t>
+            </a:r>
+            <a:r>
+              <a:rPr lang="en-US" dirty="0" err="1"/>
+              <a:t>Esper</a:t>
+            </a:r>
+            <a:r>
+              <a:rPr lang="en-US" dirty="0"/>
+              <a:t> event processing language (EPL) converges event stream processing (filtering, joins, aggregation) and complex event processing (causality) into one single </a:t>
+            </a:r>
+            <a:r>
+              <a:rPr lang="en-US" dirty="0"/>
+              <a:t>language</a:t>
+            </a:r>
+          </a:p>
+          <a:p>
+            <a:pPr marL="0" indent="0">
+              <a:buNone/>
+            </a:pPr>
             <a:endParaRPr lang="en-US" dirty="0"/>
           </a:p>
           <a:p>
             <a:r>
               <a:rPr lang="en-US" dirty="0"/>
-              <a:t>This might involve combining multiple methods to identify a specific pattern:</a:t>
-            </a:r>
-          </a:p>
-          <a:p>
-            <a:pPr lvl="1"/>
+              <a:t>The </a:t>
+            </a:r>
             <a:r>
               <a:rPr lang="en-US" dirty="0"/>
-              <a:t>Correlation</a:t>
-            </a:r>
-          </a:p>
-          <a:p>
-            <a:pPr lvl="1"/>
+              <a:t>core language is SQL conforming ensuring rapid </a:t>
+            </a:r>
             <a:r>
               <a:rPr lang="en-US" dirty="0"/>
-              <a:t>Filtering</a:t>
-            </a:r>
-          </a:p>
-          <a:p>
-            <a:pPr lvl="1"/>
+              <a:t>learning</a:t>
+            </a:r>
+          </a:p>
+          <a:p>
+            <a:pPr marL="0" indent="0">
+              <a:buNone/>
+            </a:pPr>
+            <a:endParaRPr lang="en-US" dirty="0"/>
+          </a:p>
+          <a:p>
             <a:r>
               <a:rPr lang="en-US" dirty="0"/>
-              <a:t>Causality</a:t>
-            </a:r>
-          </a:p>
-          <a:p>
-            <a:endParaRPr lang="en-US" dirty="0"/>
-          </a:p>
-          <a:p>
+              <a:t>The </a:t>
+            </a:r>
             <a:r>
               <a:rPr lang="en-US" dirty="0"/>
-              <a:t>Event operators can function on a single stream as well as across streams</a:t>
+              <a:t>language, of course, includes </a:t>
+            </a:r>
+            <a:r>
+              <a:rPr lang="en-US" dirty="0"/>
+              <a:t>event windows and causality patterns as first citizens</a:t>
             </a:r>
           </a:p>
         </p:txBody>
@@ -5867,7 +5864,7 @@
     </p:spTree>
     <p:extLst>
       <p:ext uri="{BB962C8B-B14F-4D97-AF65-F5344CB8AC3E}">
-        <p14:creationId xmlns:p14="http://schemas.microsoft.com/office/powerpoint/2010/main" val="2756995652"/>
+        <p14:creationId xmlns:p14="http://schemas.microsoft.com/office/powerpoint/2010/main" val="3317065267"/>
       </p:ext>
     </p:extLst>
   </p:cSld>
@@ -5903,7 +5900,13 @@
       </p:grpSpPr>
       <p:sp>
         <p:nvSpPr>
-          <p:cNvPr id="2" name="Titre 1"/>
+          <p:cNvPr id="2" name="Title 1">
+            <a:extLst>
+              <a:ext uri="{FF2B5EF4-FFF2-40B4-BE49-F238E27FC236}">
+                <a16:creationId xmlns="" xmlns:a16="http://schemas.microsoft.com/office/drawing/2014/main" id="{1BD5A6DB-395B-4EFB-866A-87E4955A7D71}"/>
+              </a:ext>
+            </a:extLst>
+          </p:cNvPr>
           <p:cNvSpPr>
             <a:spLocks noGrp="1"/>
           </p:cNvSpPr>
@@ -5918,56 +5921,88 @@
           <a:p>
             <a:r>
               <a:rPr lang="en-US" dirty="0" smtClean="0"/>
-              <a:t>EPL: simple </a:t>
-            </a:r>
-            <a:r>
-              <a:rPr lang="en-US" sz="3600" dirty="0">
-                <a:latin typeface="Calibri Light" panose="020F0302020204030204" pitchFamily="34" charset="0"/>
-                <a:ea typeface="+mn-ea"/>
-                <a:cs typeface="+mn-cs"/>
-              </a:rPr>
-              <a:t>Select</a:t>
-            </a:r>
-            <a:r>
-              <a:rPr lang="en-US" sz="6000" dirty="0" smtClean="0"/>
-              <a:t> </a:t>
-            </a:r>
-            <a:r>
-              <a:rPr lang="en-US" dirty="0" smtClean="0"/>
-              <a:t>statements</a:t>
-            </a:r>
+              <a:t>EPL: </a:t>
+            </a:r>
+            <a:r>
+              <a:rPr lang="en-US" dirty="0"/>
+              <a:t>Operators</a:t>
+            </a:r>
+          </a:p>
+        </p:txBody>
+      </p:sp>
+      <p:sp>
+        <p:nvSpPr>
+          <p:cNvPr id="3" name="Content Placeholder 2">
+            <a:extLst>
+              <a:ext uri="{FF2B5EF4-FFF2-40B4-BE49-F238E27FC236}">
+                <a16:creationId xmlns="" xmlns:a16="http://schemas.microsoft.com/office/drawing/2014/main" id="{857FB9F0-C822-4FCD-B47D-FBF42B8CAA56}"/>
+              </a:ext>
+            </a:extLst>
+          </p:cNvPr>
+          <p:cNvSpPr>
+            <a:spLocks noGrp="1"/>
+          </p:cNvSpPr>
+          <p:nvPr>
+            <p:ph idx="1"/>
+          </p:nvPr>
+        </p:nvSpPr>
+        <p:spPr/>
+        <p:txBody>
+          <a:bodyPr>
+            <a:normAutofit lnSpcReduction="10000"/>
+          </a:bodyPr>
+          <a:lstStyle/>
+          <a:p>
+            <a:r>
+              <a:rPr lang="en-US" dirty="0"/>
+              <a:t>Operators on events let a business situation be inferred or identified</a:t>
+            </a:r>
+          </a:p>
+          <a:p>
             <a:endParaRPr lang="en-US" dirty="0"/>
           </a:p>
-        </p:txBody>
-      </p:sp>
-      <p:pic>
-        <p:nvPicPr>
-          <p:cNvPr id="4" name="Image 3"/>
-          <p:cNvPicPr>
-            <a:picLocks noChangeAspect="1"/>
-          </p:cNvPicPr>
-          <p:nvPr/>
-        </p:nvPicPr>
-        <p:blipFill>
-          <a:blip r:embed="rId3"/>
-          <a:stretch>
-            <a:fillRect/>
-          </a:stretch>
-        </p:blipFill>
-        <p:spPr>
-          <a:xfrm>
-            <a:off x="7628995" y="1504478"/>
-            <a:ext cx="3724805" cy="5353522"/>
-          </a:xfrm>
-          <a:prstGeom prst="rect">
-            <a:avLst/>
-          </a:prstGeom>
-        </p:spPr>
-      </p:pic>
+          <a:p>
+            <a:r>
+              <a:rPr lang="en-US" dirty="0"/>
+              <a:t>This might involve combining multiple methods to identify a specific pattern:</a:t>
+            </a:r>
+          </a:p>
+          <a:p>
+            <a:pPr lvl="1"/>
+            <a:r>
+              <a:rPr lang="en-US" dirty="0"/>
+              <a:t>Correlation</a:t>
+            </a:r>
+          </a:p>
+          <a:p>
+            <a:pPr lvl="1"/>
+            <a:r>
+              <a:rPr lang="en-US" dirty="0"/>
+              <a:t>Filtering</a:t>
+            </a:r>
+          </a:p>
+          <a:p>
+            <a:pPr lvl="1"/>
+            <a:r>
+              <a:rPr lang="en-US" dirty="0"/>
+              <a:t>Causality</a:t>
+            </a:r>
+          </a:p>
+          <a:p>
+            <a:endParaRPr lang="en-US" dirty="0"/>
+          </a:p>
+          <a:p>
+            <a:r>
+              <a:rPr lang="en-US" dirty="0"/>
+              <a:t>Event operators can function on a single stream as well as across streams</a:t>
+            </a:r>
+          </a:p>
+        </p:txBody>
+      </p:sp>
     </p:spTree>
     <p:extLst>
       <p:ext uri="{BB962C8B-B14F-4D97-AF65-F5344CB8AC3E}">
-        <p14:creationId xmlns:p14="http://schemas.microsoft.com/office/powerpoint/2010/main" val="2284035823"/>
+        <p14:creationId xmlns:p14="http://schemas.microsoft.com/office/powerpoint/2010/main" val="2756995652"/>
       </p:ext>
     </p:extLst>
   </p:cSld>
@@ -6064,6 +6099,106 @@
           </a:prstGeom>
         </p:spPr>
       </p:pic>
+    </p:spTree>
+    <p:extLst>
+      <p:ext uri="{BB962C8B-B14F-4D97-AF65-F5344CB8AC3E}">
+        <p14:creationId xmlns:p14="http://schemas.microsoft.com/office/powerpoint/2010/main" val="2284035823"/>
+      </p:ext>
+    </p:extLst>
+  </p:cSld>
+  <p:clrMapOvr>
+    <a:masterClrMapping/>
+  </p:clrMapOvr>
+  <p:timing>
+    <p:tnLst>
+      <p:par>
+        <p:cTn id="1" dur="indefinite" restart="never" nodeType="tmRoot"/>
+      </p:par>
+    </p:tnLst>
+  </p:timing>
+</p:sld>
+</file>
+
+<file path=ppt/slides/slide13.xml><?xml version="1.0" encoding="utf-8"?>
+<p:sld xmlns:a="http://schemas.openxmlformats.org/drawingml/2006/main" xmlns:r="http://schemas.openxmlformats.org/officeDocument/2006/relationships" xmlns:p="http://schemas.openxmlformats.org/presentationml/2006/main">
+  <p:cSld>
+    <p:spTree>
+      <p:nvGrpSpPr>
+        <p:cNvPr id="1" name=""/>
+        <p:cNvGrpSpPr/>
+        <p:nvPr/>
+      </p:nvGrpSpPr>
+      <p:grpSpPr>
+        <a:xfrm>
+          <a:off x="0" y="0"/>
+          <a:ext cx="0" cy="0"/>
+          <a:chOff x="0" y="0"/>
+          <a:chExt cx="0" cy="0"/>
+        </a:xfrm>
+      </p:grpSpPr>
+      <p:sp>
+        <p:nvSpPr>
+          <p:cNvPr id="2" name="Titre 1"/>
+          <p:cNvSpPr>
+            <a:spLocks noGrp="1"/>
+          </p:cNvSpPr>
+          <p:nvPr>
+            <p:ph type="title"/>
+          </p:nvPr>
+        </p:nvSpPr>
+        <p:spPr/>
+        <p:txBody>
+          <a:bodyPr/>
+          <a:lstStyle/>
+          <a:p>
+            <a:r>
+              <a:rPr lang="en-US" dirty="0" smtClean="0"/>
+              <a:t>EPL: simple </a:t>
+            </a:r>
+            <a:r>
+              <a:rPr lang="en-US" sz="3600" dirty="0">
+                <a:latin typeface="Calibri Light" panose="020F0302020204030204" pitchFamily="34" charset="0"/>
+                <a:ea typeface="+mn-ea"/>
+                <a:cs typeface="+mn-cs"/>
+              </a:rPr>
+              <a:t>Select</a:t>
+            </a:r>
+            <a:r>
+              <a:rPr lang="en-US" sz="6000" dirty="0" smtClean="0"/>
+              <a:t> </a:t>
+            </a:r>
+            <a:r>
+              <a:rPr lang="en-US" dirty="0" smtClean="0"/>
+              <a:t>statements</a:t>
+            </a:r>
+            <a:endParaRPr lang="en-US" dirty="0"/>
+          </a:p>
+        </p:txBody>
+      </p:sp>
+      <p:pic>
+        <p:nvPicPr>
+          <p:cNvPr id="4" name="Image 3"/>
+          <p:cNvPicPr>
+            <a:picLocks noChangeAspect="1"/>
+          </p:cNvPicPr>
+          <p:nvPr/>
+        </p:nvPicPr>
+        <p:blipFill>
+          <a:blip r:embed="rId3"/>
+          <a:stretch>
+            <a:fillRect/>
+          </a:stretch>
+        </p:blipFill>
+        <p:spPr>
+          <a:xfrm>
+            <a:off x="7628995" y="1504478"/>
+            <a:ext cx="3724805" cy="5353522"/>
+          </a:xfrm>
+          <a:prstGeom prst="rect">
+            <a:avLst/>
+          </a:prstGeom>
+        </p:spPr>
+      </p:pic>
       <p:sp>
         <p:nvSpPr>
           <p:cNvPr id="5" name="Rectangle 4"/>
@@ -6111,8 +6246,8 @@
         </p:nvSpPr>
         <p:spPr bwMode="auto">
           <a:xfrm>
-            <a:off x="220397" y="2209421"/>
-            <a:ext cx="4436270" cy="707886"/>
+            <a:off x="220396" y="2209422"/>
+            <a:ext cx="7408599" cy="707886"/>
           </a:xfrm>
           <a:prstGeom prst="rect">
             <a:avLst/>
@@ -6185,7 +6320,8 @@
                   <a:schemeClr val="tx1"/>
                 </a:solidFill>
                 <a:effectLst/>
-                <a:latin typeface="Calibri Light" panose="020F0302020204030204" pitchFamily="34" charset="0"/>
+                <a:latin typeface="Courier New" panose="02070309020205020404" pitchFamily="49" charset="0"/>
+                <a:cs typeface="Courier New" panose="02070309020205020404" pitchFamily="49" charset="0"/>
               </a:rPr>
               <a:t>select * </a:t>
             </a:r>
@@ -6198,7 +6334,8 @@
                   <a:schemeClr val="tx1"/>
                 </a:solidFill>
                 <a:effectLst/>
-                <a:latin typeface="Calibri Light" panose="020F0302020204030204" pitchFamily="34" charset="0"/>
+                <a:latin typeface="Courier New" panose="02070309020205020404" pitchFamily="49" charset="0"/>
+                <a:cs typeface="Courier New" panose="02070309020205020404" pitchFamily="49" charset="0"/>
               </a:rPr>
               <a:t>from</a:t>
             </a:r>
@@ -6211,7 +6348,8 @@
                   <a:schemeClr val="tx1"/>
                 </a:solidFill>
                 <a:effectLst/>
-                <a:latin typeface="Calibri Light" panose="020F0302020204030204" pitchFamily="34" charset="0"/>
+                <a:latin typeface="Courier New" panose="02070309020205020404" pitchFamily="49" charset="0"/>
+                <a:cs typeface="Courier New" panose="02070309020205020404" pitchFamily="49" charset="0"/>
               </a:rPr>
               <a:t> </a:t>
             </a:r>
@@ -6224,7 +6362,8 @@
                   <a:schemeClr val="tx1"/>
                 </a:solidFill>
                 <a:effectLst/>
-                <a:latin typeface="Calibri Light" panose="020F0302020204030204" pitchFamily="34" charset="0"/>
+                <a:latin typeface="Courier New" panose="02070309020205020404" pitchFamily="49" charset="0"/>
+                <a:cs typeface="Courier New" panose="02070309020205020404" pitchFamily="49" charset="0"/>
               </a:rPr>
               <a:t>Withdrawal</a:t>
             </a:r>
@@ -6237,7 +6376,8 @@
                   <a:schemeClr val="tx1"/>
                 </a:solidFill>
                 <a:effectLst/>
-                <a:latin typeface="Calibri Light" panose="020F0302020204030204" pitchFamily="34" charset="0"/>
+                <a:latin typeface="Courier New" panose="02070309020205020404" pitchFamily="49" charset="0"/>
+                <a:cs typeface="Courier New" panose="02070309020205020404" pitchFamily="49" charset="0"/>
               </a:rPr>
               <a:t> </a:t>
             </a:r>
@@ -6249,7 +6389,8 @@
                 <a:schemeClr val="tx1"/>
               </a:solidFill>
               <a:effectLst/>
-              <a:latin typeface="Calibri Light" panose="020F0302020204030204" pitchFamily="34" charset="0"/>
+              <a:latin typeface="Courier New" panose="02070309020205020404" pitchFamily="49" charset="0"/>
+              <a:cs typeface="Courier New" panose="02070309020205020404" pitchFamily="49" charset="0"/>
             </a:endParaRPr>
           </a:p>
         </p:txBody>
@@ -6258,90 +6399,6 @@
     <p:extLst>
       <p:ext uri="{BB962C8B-B14F-4D97-AF65-F5344CB8AC3E}">
         <p14:creationId xmlns:p14="http://schemas.microsoft.com/office/powerpoint/2010/main" val="3441503682"/>
-      </p:ext>
-    </p:extLst>
-  </p:cSld>
-  <p:clrMapOvr>
-    <a:masterClrMapping/>
-  </p:clrMapOvr>
-  <p:timing>
-    <p:tnLst>
-      <p:par>
-        <p:cTn id="1" dur="indefinite" restart="never" nodeType="tmRoot"/>
-      </p:par>
-    </p:tnLst>
-  </p:timing>
-</p:sld>
-</file>
-
-<file path=ppt/slides/slide13.xml><?xml version="1.0" encoding="utf-8"?>
-<p:sld xmlns:a="http://schemas.openxmlformats.org/drawingml/2006/main" xmlns:r="http://schemas.openxmlformats.org/officeDocument/2006/relationships" xmlns:p="http://schemas.openxmlformats.org/presentationml/2006/main">
-  <p:cSld>
-    <p:spTree>
-      <p:nvGrpSpPr>
-        <p:cNvPr id="1" name=""/>
-        <p:cNvGrpSpPr/>
-        <p:nvPr/>
-      </p:nvGrpSpPr>
-      <p:grpSpPr>
-        <a:xfrm>
-          <a:off x="0" y="0"/>
-          <a:ext cx="0" cy="0"/>
-          <a:chOff x="0" y="0"/>
-          <a:chExt cx="0" cy="0"/>
-        </a:xfrm>
-      </p:grpSpPr>
-      <p:sp>
-        <p:nvSpPr>
-          <p:cNvPr id="2" name="Titre 1"/>
-          <p:cNvSpPr>
-            <a:spLocks noGrp="1"/>
-          </p:cNvSpPr>
-          <p:nvPr>
-            <p:ph type="title"/>
-          </p:nvPr>
-        </p:nvSpPr>
-        <p:spPr/>
-        <p:txBody>
-          <a:bodyPr/>
-          <a:lstStyle/>
-          <a:p>
-            <a:r>
-              <a:rPr lang="en-US" dirty="0" smtClean="0"/>
-              <a:t>EPL: Aggregation</a:t>
-            </a:r>
-            <a:endParaRPr lang="en-US" dirty="0"/>
-          </a:p>
-        </p:txBody>
-      </p:sp>
-      <p:pic>
-        <p:nvPicPr>
-          <p:cNvPr id="5" name="Image 4"/>
-          <p:cNvPicPr>
-            <a:picLocks noChangeAspect="1"/>
-          </p:cNvPicPr>
-          <p:nvPr/>
-        </p:nvPicPr>
-        <p:blipFill>
-          <a:blip r:embed="rId2"/>
-          <a:stretch>
-            <a:fillRect/>
-          </a:stretch>
-        </p:blipFill>
-        <p:spPr>
-          <a:xfrm>
-            <a:off x="7998883" y="1216554"/>
-            <a:ext cx="3854450" cy="5418575"/>
-          </a:xfrm>
-          <a:prstGeom prst="rect">
-            <a:avLst/>
-          </a:prstGeom>
-        </p:spPr>
-      </p:pic>
-    </p:spTree>
-    <p:extLst>
-      <p:ext uri="{BB962C8B-B14F-4D97-AF65-F5344CB8AC3E}">
-        <p14:creationId xmlns:p14="http://schemas.microsoft.com/office/powerpoint/2010/main" val="2503911337"/>
       </p:ext>
     </p:extLst>
   </p:cSld>
@@ -6398,6 +6455,90 @@
           </a:p>
         </p:txBody>
       </p:sp>
+      <p:pic>
+        <p:nvPicPr>
+          <p:cNvPr id="5" name="Image 4"/>
+          <p:cNvPicPr>
+            <a:picLocks noChangeAspect="1"/>
+          </p:cNvPicPr>
+          <p:nvPr/>
+        </p:nvPicPr>
+        <p:blipFill>
+          <a:blip r:embed="rId2"/>
+          <a:stretch>
+            <a:fillRect/>
+          </a:stretch>
+        </p:blipFill>
+        <p:spPr>
+          <a:xfrm>
+            <a:off x="7998883" y="1216554"/>
+            <a:ext cx="3854450" cy="5418575"/>
+          </a:xfrm>
+          <a:prstGeom prst="rect">
+            <a:avLst/>
+          </a:prstGeom>
+        </p:spPr>
+      </p:pic>
+    </p:spTree>
+    <p:extLst>
+      <p:ext uri="{BB962C8B-B14F-4D97-AF65-F5344CB8AC3E}">
+        <p14:creationId xmlns:p14="http://schemas.microsoft.com/office/powerpoint/2010/main" val="2503911337"/>
+      </p:ext>
+    </p:extLst>
+  </p:cSld>
+  <p:clrMapOvr>
+    <a:masterClrMapping/>
+  </p:clrMapOvr>
+  <p:timing>
+    <p:tnLst>
+      <p:par>
+        <p:cTn id="1" dur="indefinite" restart="never" nodeType="tmRoot"/>
+      </p:par>
+    </p:tnLst>
+  </p:timing>
+</p:sld>
+</file>
+
+<file path=ppt/slides/slide15.xml><?xml version="1.0" encoding="utf-8"?>
+<p:sld xmlns:a="http://schemas.openxmlformats.org/drawingml/2006/main" xmlns:r="http://schemas.openxmlformats.org/officeDocument/2006/relationships" xmlns:p="http://schemas.openxmlformats.org/presentationml/2006/main">
+  <p:cSld>
+    <p:spTree>
+      <p:nvGrpSpPr>
+        <p:cNvPr id="1" name=""/>
+        <p:cNvGrpSpPr/>
+        <p:nvPr/>
+      </p:nvGrpSpPr>
+      <p:grpSpPr>
+        <a:xfrm>
+          <a:off x="0" y="0"/>
+          <a:ext cx="0" cy="0"/>
+          <a:chOff x="0" y="0"/>
+          <a:chExt cx="0" cy="0"/>
+        </a:xfrm>
+      </p:grpSpPr>
+      <p:sp>
+        <p:nvSpPr>
+          <p:cNvPr id="2" name="Titre 1"/>
+          <p:cNvSpPr>
+            <a:spLocks noGrp="1"/>
+          </p:cNvSpPr>
+          <p:nvPr>
+            <p:ph type="title"/>
+          </p:nvPr>
+        </p:nvSpPr>
+        <p:spPr/>
+        <p:txBody>
+          <a:bodyPr/>
+          <a:lstStyle/>
+          <a:p>
+            <a:r>
+              <a:rPr lang="en-US" dirty="0" smtClean="0"/>
+              <a:t>EPL: Aggregation</a:t>
+            </a:r>
+            <a:endParaRPr lang="en-US" dirty="0"/>
+          </a:p>
+        </p:txBody>
+      </p:sp>
       <p:sp>
         <p:nvSpPr>
           <p:cNvPr id="4" name="Rectangle 1"/>
@@ -6408,8 +6549,8 @@
         </p:nvSpPr>
         <p:spPr bwMode="auto">
           <a:xfrm>
-            <a:off x="457200" y="2029768"/>
-            <a:ext cx="4097867" cy="461665"/>
+            <a:off x="457200" y="1783549"/>
+            <a:ext cx="5059180" cy="954107"/>
           </a:xfrm>
           <a:prstGeom prst="rect">
             <a:avLst/>
@@ -6474,7 +6615,7 @@
               <a:tabLst/>
             </a:pPr>
             <a:r>
-              <a:rPr kumimoji="0" lang="fr-FR" sz="1400" b="0" i="0" u="none" strike="noStrike" cap="none" normalizeH="0" baseline="0" smtClean="0">
+              <a:rPr kumimoji="0" lang="fr-FR" sz="2000" b="0" i="0" u="none" strike="noStrike" cap="none" normalizeH="0" baseline="0" dirty="0" smtClean="0">
                 <a:ln>
                   <a:noFill/>
                 </a:ln>
@@ -6482,12 +6623,13 @@
                   <a:schemeClr val="tx1"/>
                 </a:solidFill>
                 <a:effectLst/>
-                <a:latin typeface="Arial Unicode MS" panose="020B0604020202020204" pitchFamily="34" charset="-128"/>
+                <a:latin typeface="Courier New" panose="02070309020205020404" pitchFamily="49" charset="0"/>
+                <a:cs typeface="Courier New" panose="02070309020205020404" pitchFamily="49" charset="0"/>
               </a:rPr>
-              <a:t>select count(*), sum(amount) from Withdrawal</a:t>
-            </a:r>
-            <a:r>
-              <a:rPr kumimoji="0" lang="fr-FR" sz="2400" b="0" i="0" u="none" strike="noStrike" cap="none" normalizeH="0" baseline="0" smtClean="0">
+              <a:t>select count(*), </a:t>
+            </a:r>
+            <a:r>
+              <a:rPr kumimoji="0" lang="fr-FR" sz="2000" b="0" i="0" u="none" strike="noStrike" cap="none" normalizeH="0" baseline="0" dirty="0" err="1" smtClean="0">
                 <a:ln>
                   <a:noFill/>
                 </a:ln>
@@ -6495,10 +6637,110 @@
                   <a:schemeClr val="tx1"/>
                 </a:solidFill>
                 <a:effectLst/>
+                <a:latin typeface="Courier New" panose="02070309020205020404" pitchFamily="49" charset="0"/>
+                <a:cs typeface="Courier New" panose="02070309020205020404" pitchFamily="49" charset="0"/>
+              </a:rPr>
+              <a:t>sum</a:t>
+            </a:r>
+            <a:r>
+              <a:rPr kumimoji="0" lang="fr-FR" sz="2000" b="0" i="0" u="none" strike="noStrike" cap="none" normalizeH="0" baseline="0" dirty="0" smtClean="0">
+                <a:ln>
+                  <a:noFill/>
+                </a:ln>
+                <a:solidFill>
+                  <a:schemeClr val="tx1"/>
+                </a:solidFill>
+                <a:effectLst/>
+                <a:latin typeface="Courier New" panose="02070309020205020404" pitchFamily="49" charset="0"/>
+                <a:cs typeface="Courier New" panose="02070309020205020404" pitchFamily="49" charset="0"/>
+              </a:rPr>
+              <a:t>(</a:t>
+            </a:r>
+            <a:r>
+              <a:rPr kumimoji="0" lang="fr-FR" sz="2000" b="0" i="0" u="none" strike="noStrike" cap="none" normalizeH="0" baseline="0" dirty="0" err="1" smtClean="0">
+                <a:ln>
+                  <a:noFill/>
+                </a:ln>
+                <a:solidFill>
+                  <a:schemeClr val="tx1"/>
+                </a:solidFill>
+                <a:effectLst/>
+                <a:latin typeface="Courier New" panose="02070309020205020404" pitchFamily="49" charset="0"/>
+                <a:cs typeface="Courier New" panose="02070309020205020404" pitchFamily="49" charset="0"/>
+              </a:rPr>
+              <a:t>amount</a:t>
+            </a:r>
+            <a:r>
+              <a:rPr kumimoji="0" lang="fr-FR" sz="2000" b="0" i="0" u="none" strike="noStrike" cap="none" normalizeH="0" baseline="0" dirty="0" smtClean="0">
+                <a:ln>
+                  <a:noFill/>
+                </a:ln>
+                <a:solidFill>
+                  <a:schemeClr val="tx1"/>
+                </a:solidFill>
+                <a:effectLst/>
+                <a:latin typeface="Courier New" panose="02070309020205020404" pitchFamily="49" charset="0"/>
+                <a:cs typeface="Courier New" panose="02070309020205020404" pitchFamily="49" charset="0"/>
+              </a:rPr>
+              <a:t>) </a:t>
+            </a:r>
+            <a:r>
+              <a:rPr kumimoji="0" lang="fr-FR" sz="2000" b="0" i="0" u="none" strike="noStrike" cap="none" normalizeH="0" baseline="0" dirty="0" err="1" smtClean="0">
+                <a:ln>
+                  <a:noFill/>
+                </a:ln>
+                <a:solidFill>
+                  <a:schemeClr val="tx1"/>
+                </a:solidFill>
+                <a:effectLst/>
+                <a:latin typeface="Courier New" panose="02070309020205020404" pitchFamily="49" charset="0"/>
+                <a:cs typeface="Courier New" panose="02070309020205020404" pitchFamily="49" charset="0"/>
+              </a:rPr>
+              <a:t>from</a:t>
+            </a:r>
+            <a:r>
+              <a:rPr kumimoji="0" lang="fr-FR" sz="2000" b="0" i="0" u="none" strike="noStrike" cap="none" normalizeH="0" baseline="0" dirty="0" smtClean="0">
+                <a:ln>
+                  <a:noFill/>
+                </a:ln>
+                <a:solidFill>
+                  <a:schemeClr val="tx1"/>
+                </a:solidFill>
+                <a:effectLst/>
+                <a:latin typeface="Courier New" panose="02070309020205020404" pitchFamily="49" charset="0"/>
+                <a:cs typeface="Courier New" panose="02070309020205020404" pitchFamily="49" charset="0"/>
               </a:rPr>
               <a:t> </a:t>
             </a:r>
-            <a:endParaRPr kumimoji="0" lang="fr-FR" sz="3200" b="0" i="0" u="none" strike="noStrike" cap="none" normalizeH="0" baseline="0" smtClean="0">
+            <a:r>
+              <a:rPr kumimoji="0" lang="fr-FR" sz="2000" b="0" i="0" u="none" strike="noStrike" cap="none" normalizeH="0" baseline="0" dirty="0" err="1" smtClean="0">
+                <a:ln>
+                  <a:noFill/>
+                </a:ln>
+                <a:solidFill>
+                  <a:schemeClr val="tx1"/>
+                </a:solidFill>
+                <a:effectLst/>
+                <a:latin typeface="Courier New" panose="02070309020205020404" pitchFamily="49" charset="0"/>
+                <a:cs typeface="Courier New" panose="02070309020205020404" pitchFamily="49" charset="0"/>
+              </a:rPr>
+              <a:t>Withdrawal</a:t>
+            </a:r>
+            <a:r>
+              <a:rPr kumimoji="0" lang="fr-FR" sz="3600" b="0" i="0" u="none" strike="noStrike" cap="none" normalizeH="0" baseline="0" dirty="0" smtClean="0">
+                <a:ln>
+                  <a:noFill/>
+                </a:ln>
+                <a:solidFill>
+                  <a:schemeClr val="tx1"/>
+                </a:solidFill>
+                <a:effectLst/>
+                <a:latin typeface="Courier New" panose="02070309020205020404" pitchFamily="49" charset="0"/>
+                <a:cs typeface="Courier New" panose="02070309020205020404" pitchFamily="49" charset="0"/>
+              </a:rPr>
+              <a:t> </a:t>
+            </a:r>
+            <a:endParaRPr kumimoji="0" lang="fr-FR" sz="4400" b="0" i="0" u="none" strike="noStrike" cap="none" normalizeH="0" baseline="0" dirty="0" smtClean="0">
               <a:ln>
                 <a:noFill/>
               </a:ln>
@@ -6506,7 +6748,8 @@
                 <a:schemeClr val="tx1"/>
               </a:solidFill>
               <a:effectLst/>
-              <a:latin typeface="Arial" panose="020B0604020202020204" pitchFamily="34" charset="0"/>
+              <a:latin typeface="Courier New" panose="02070309020205020404" pitchFamily="49" charset="0"/>
+              <a:cs typeface="Courier New" panose="02070309020205020404" pitchFamily="49" charset="0"/>
             </a:endParaRPr>
           </a:p>
         </p:txBody>
@@ -6592,7 +6835,7 @@
 </p:sld>
 </file>
 
-<file path=ppt/slides/slide15.xml><?xml version="1.0" encoding="utf-8"?>
+<file path=ppt/slides/slide16.xml><?xml version="1.0" encoding="utf-8"?>
 <p:sld xmlns:a="http://schemas.openxmlformats.org/drawingml/2006/main" xmlns:r="http://schemas.openxmlformats.org/officeDocument/2006/relationships" xmlns:p="http://schemas.openxmlformats.org/presentationml/2006/main">
   <p:cSld>
     <p:spTree>
@@ -6642,8 +6885,8 @@
         </p:nvSpPr>
         <p:spPr bwMode="auto">
           <a:xfrm>
-            <a:off x="457200" y="1998991"/>
-            <a:ext cx="4097867" cy="523220"/>
+            <a:off x="457200" y="1691217"/>
+            <a:ext cx="5329003" cy="1138773"/>
           </a:xfrm>
           <a:prstGeom prst="rect">
             <a:avLst/>
@@ -6700,53 +6943,64 @@
               </a:spcAft>
             </a:pPr>
             <a:r>
-              <a:rPr lang="fr-FR" sz="1400" dirty="0">
-                <a:latin typeface="Arial Unicode MS" panose="020B0604020202020204" pitchFamily="34" charset="-128"/>
+              <a:rPr lang="fr-FR" sz="2400" dirty="0">
+                <a:latin typeface="Courier New" panose="02070309020205020404" pitchFamily="49" charset="0"/>
+                <a:cs typeface="Courier New" panose="02070309020205020404" pitchFamily="49" charset="0"/>
               </a:rPr>
               <a:t>select * </a:t>
             </a:r>
             <a:r>
-              <a:rPr lang="fr-FR" sz="1400" dirty="0" err="1">
-                <a:latin typeface="Arial Unicode MS" panose="020B0604020202020204" pitchFamily="34" charset="-128"/>
+              <a:rPr lang="fr-FR" sz="2400" dirty="0" err="1">
+                <a:latin typeface="Courier New" panose="02070309020205020404" pitchFamily="49" charset="0"/>
+                <a:cs typeface="Courier New" panose="02070309020205020404" pitchFamily="49" charset="0"/>
               </a:rPr>
               <a:t>from</a:t>
             </a:r>
             <a:r>
-              <a:rPr lang="fr-FR" sz="1400" dirty="0">
-                <a:latin typeface="Arial Unicode MS" panose="020B0604020202020204" pitchFamily="34" charset="-128"/>
+              <a:rPr lang="fr-FR" sz="2400" dirty="0">
+                <a:latin typeface="Courier New" panose="02070309020205020404" pitchFamily="49" charset="0"/>
+                <a:cs typeface="Courier New" panose="02070309020205020404" pitchFamily="49" charset="0"/>
               </a:rPr>
               <a:t> </a:t>
             </a:r>
             <a:r>
-              <a:rPr lang="fr-FR" sz="1400" dirty="0" err="1">
-                <a:latin typeface="Arial Unicode MS" panose="020B0604020202020204" pitchFamily="34" charset="-128"/>
+              <a:rPr lang="fr-FR" sz="2400" dirty="0" err="1">
+                <a:latin typeface="Courier New" panose="02070309020205020404" pitchFamily="49" charset="0"/>
+                <a:cs typeface="Courier New" panose="02070309020205020404" pitchFamily="49" charset="0"/>
               </a:rPr>
               <a:t>Withdrawal</a:t>
             </a:r>
             <a:r>
-              <a:rPr lang="fr-FR" sz="1400" dirty="0">
-                <a:latin typeface="Arial Unicode MS" panose="020B0604020202020204" pitchFamily="34" charset="-128"/>
+              <a:rPr lang="fr-FR" sz="2400" dirty="0">
+                <a:latin typeface="Courier New" panose="02070309020205020404" pitchFamily="49" charset="0"/>
+                <a:cs typeface="Courier New" panose="02070309020205020404" pitchFamily="49" charset="0"/>
               </a:rPr>
               <a:t>(</a:t>
             </a:r>
             <a:r>
-              <a:rPr lang="fr-FR" sz="1400" dirty="0" err="1">
-                <a:latin typeface="Arial Unicode MS" panose="020B0604020202020204" pitchFamily="34" charset="-128"/>
+              <a:rPr lang="fr-FR" sz="2400" dirty="0" err="1">
+                <a:latin typeface="Courier New" panose="02070309020205020404" pitchFamily="49" charset="0"/>
+                <a:cs typeface="Courier New" panose="02070309020205020404" pitchFamily="49" charset="0"/>
               </a:rPr>
               <a:t>amount</a:t>
             </a:r>
             <a:r>
-              <a:rPr lang="fr-FR" sz="1400" dirty="0">
-                <a:latin typeface="Arial Unicode MS" panose="020B0604020202020204" pitchFamily="34" charset="-128"/>
+              <a:rPr lang="fr-FR" sz="2400" dirty="0">
+                <a:latin typeface="Courier New" panose="02070309020205020404" pitchFamily="49" charset="0"/>
+                <a:cs typeface="Courier New" panose="02070309020205020404" pitchFamily="49" charset="0"/>
               </a:rPr>
               <a:t> &gt;= 200)</a:t>
             </a:r>
             <a:r>
-              <a:rPr lang="fr-FR" sz="2800" dirty="0"/>
+              <a:rPr lang="fr-FR" sz="4400" dirty="0">
+                <a:latin typeface="Courier New" panose="02070309020205020404" pitchFamily="49" charset="0"/>
+                <a:cs typeface="Courier New" panose="02070309020205020404" pitchFamily="49" charset="0"/>
+              </a:rPr>
               <a:t> </a:t>
             </a:r>
-            <a:endParaRPr lang="fr-FR" sz="3200" dirty="0">
-              <a:latin typeface="Arial" panose="020B0604020202020204" pitchFamily="34" charset="0"/>
+            <a:endParaRPr lang="fr-FR" sz="4800" dirty="0">
+              <a:latin typeface="Courier New" panose="02070309020205020404" pitchFamily="49" charset="0"/>
+              <a:cs typeface="Courier New" panose="02070309020205020404" pitchFamily="49" charset="0"/>
             </a:endParaRPr>
           </a:p>
         </p:txBody>
@@ -6795,7 +7049,7 @@
 </p:sld>
 </file>
 
-<file path=ppt/slides/slide16.xml><?xml version="1.0" encoding="utf-8"?>
+<file path=ppt/slides/slide17.xml><?xml version="1.0" encoding="utf-8"?>
 <p:sld xmlns:a="http://schemas.openxmlformats.org/drawingml/2006/main" xmlns:r="http://schemas.openxmlformats.org/officeDocument/2006/relationships" xmlns:p="http://schemas.openxmlformats.org/presentationml/2006/main">
   <p:cSld>
     <p:spTree>
@@ -6845,8 +7099,8 @@
         </p:nvSpPr>
         <p:spPr bwMode="auto">
           <a:xfrm>
-            <a:off x="457200" y="1998991"/>
-            <a:ext cx="5164667" cy="523220"/>
+            <a:off x="457200" y="1752771"/>
+            <a:ext cx="5164667" cy="1015663"/>
           </a:xfrm>
           <a:prstGeom prst="rect">
             <a:avLst/>
@@ -6903,77 +7157,92 @@
               </a:spcAft>
             </a:pPr>
             <a:r>
-              <a:rPr lang="fr-FR" sz="1400" dirty="0">
-                <a:latin typeface="Arial Unicode MS" panose="020B0604020202020204" pitchFamily="34" charset="-128"/>
+              <a:rPr lang="fr-FR" sz="2000" dirty="0">
+                <a:latin typeface="Courier New" panose="02070309020205020404" pitchFamily="49" charset="0"/>
+                <a:cs typeface="Courier New" panose="02070309020205020404" pitchFamily="49" charset="0"/>
               </a:rPr>
               <a:t>select count(*), </a:t>
             </a:r>
             <a:r>
-              <a:rPr lang="fr-FR" sz="1400" dirty="0" err="1">
-                <a:latin typeface="Arial Unicode MS" panose="020B0604020202020204" pitchFamily="34" charset="-128"/>
+              <a:rPr lang="fr-FR" sz="2000" dirty="0" err="1">
+                <a:latin typeface="Courier New" panose="02070309020205020404" pitchFamily="49" charset="0"/>
+                <a:cs typeface="Courier New" panose="02070309020205020404" pitchFamily="49" charset="0"/>
               </a:rPr>
               <a:t>sum</a:t>
             </a:r>
             <a:r>
-              <a:rPr lang="fr-FR" sz="1400" dirty="0">
-                <a:latin typeface="Arial Unicode MS" panose="020B0604020202020204" pitchFamily="34" charset="-128"/>
+              <a:rPr lang="fr-FR" sz="2000" dirty="0">
+                <a:latin typeface="Courier New" panose="02070309020205020404" pitchFamily="49" charset="0"/>
+                <a:cs typeface="Courier New" panose="02070309020205020404" pitchFamily="49" charset="0"/>
               </a:rPr>
               <a:t>(</a:t>
             </a:r>
             <a:r>
-              <a:rPr lang="fr-FR" sz="1400" dirty="0" err="1">
-                <a:latin typeface="Arial Unicode MS" panose="020B0604020202020204" pitchFamily="34" charset="-128"/>
+              <a:rPr lang="fr-FR" sz="2000" dirty="0" err="1">
+                <a:latin typeface="Courier New" panose="02070309020205020404" pitchFamily="49" charset="0"/>
+                <a:cs typeface="Courier New" panose="02070309020205020404" pitchFamily="49" charset="0"/>
               </a:rPr>
               <a:t>amount</a:t>
             </a:r>
             <a:r>
-              <a:rPr lang="fr-FR" sz="1400" dirty="0">
-                <a:latin typeface="Arial Unicode MS" panose="020B0604020202020204" pitchFamily="34" charset="-128"/>
+              <a:rPr lang="fr-FR" sz="2000" dirty="0">
+                <a:latin typeface="Courier New" panose="02070309020205020404" pitchFamily="49" charset="0"/>
+                <a:cs typeface="Courier New" panose="02070309020205020404" pitchFamily="49" charset="0"/>
               </a:rPr>
               <a:t>) </a:t>
             </a:r>
             <a:r>
-              <a:rPr lang="fr-FR" sz="1400" dirty="0" err="1">
-                <a:latin typeface="Arial Unicode MS" panose="020B0604020202020204" pitchFamily="34" charset="-128"/>
+              <a:rPr lang="fr-FR" sz="2000" dirty="0" err="1">
+                <a:latin typeface="Courier New" panose="02070309020205020404" pitchFamily="49" charset="0"/>
+                <a:cs typeface="Courier New" panose="02070309020205020404" pitchFamily="49" charset="0"/>
               </a:rPr>
               <a:t>from</a:t>
             </a:r>
             <a:r>
-              <a:rPr lang="fr-FR" sz="1400" dirty="0">
-                <a:latin typeface="Arial Unicode MS" panose="020B0604020202020204" pitchFamily="34" charset="-128"/>
+              <a:rPr lang="fr-FR" sz="2000" dirty="0">
+                <a:latin typeface="Courier New" panose="02070309020205020404" pitchFamily="49" charset="0"/>
+                <a:cs typeface="Courier New" panose="02070309020205020404" pitchFamily="49" charset="0"/>
               </a:rPr>
               <a:t> </a:t>
             </a:r>
             <a:r>
-              <a:rPr lang="fr-FR" sz="1400" dirty="0" err="1">
-                <a:latin typeface="Arial Unicode MS" panose="020B0604020202020204" pitchFamily="34" charset="-128"/>
+              <a:rPr lang="fr-FR" sz="2000" dirty="0" err="1">
+                <a:latin typeface="Courier New" panose="02070309020205020404" pitchFamily="49" charset="0"/>
+                <a:cs typeface="Courier New" panose="02070309020205020404" pitchFamily="49" charset="0"/>
               </a:rPr>
               <a:t>Withdrawal</a:t>
             </a:r>
             <a:r>
-              <a:rPr lang="fr-FR" sz="1400" dirty="0">
-                <a:latin typeface="Arial Unicode MS" panose="020B0604020202020204" pitchFamily="34" charset="-128"/>
+              <a:rPr lang="fr-FR" sz="2000" dirty="0">
+                <a:latin typeface="Courier New" panose="02070309020205020404" pitchFamily="49" charset="0"/>
+                <a:cs typeface="Courier New" panose="02070309020205020404" pitchFamily="49" charset="0"/>
               </a:rPr>
               <a:t>(</a:t>
             </a:r>
             <a:r>
-              <a:rPr lang="fr-FR" sz="1400" dirty="0" err="1">
-                <a:latin typeface="Arial Unicode MS" panose="020B0604020202020204" pitchFamily="34" charset="-128"/>
+              <a:rPr lang="fr-FR" sz="2000" dirty="0" err="1">
+                <a:latin typeface="Courier New" panose="02070309020205020404" pitchFamily="49" charset="0"/>
+                <a:cs typeface="Courier New" panose="02070309020205020404" pitchFamily="49" charset="0"/>
               </a:rPr>
               <a:t>amount</a:t>
             </a:r>
             <a:r>
-              <a:rPr lang="fr-FR" sz="1400" dirty="0">
-                <a:latin typeface="Arial Unicode MS" panose="020B0604020202020204" pitchFamily="34" charset="-128"/>
+              <a:rPr lang="fr-FR" sz="2000" dirty="0">
+                <a:latin typeface="Courier New" panose="02070309020205020404" pitchFamily="49" charset="0"/>
+                <a:cs typeface="Courier New" panose="02070309020205020404" pitchFamily="49" charset="0"/>
               </a:rPr>
               <a:t> &gt;= 200)</a:t>
             </a:r>
             <a:r>
-              <a:rPr lang="fr-FR" sz="2800" dirty="0"/>
+              <a:rPr lang="fr-FR" sz="4000" dirty="0">
+                <a:latin typeface="Courier New" panose="02070309020205020404" pitchFamily="49" charset="0"/>
+                <a:cs typeface="Courier New" panose="02070309020205020404" pitchFamily="49" charset="0"/>
+              </a:rPr>
               <a:t> </a:t>
             </a:r>
-            <a:endParaRPr lang="fr-FR" sz="3200" dirty="0">
-              <a:latin typeface="Arial" panose="020B0604020202020204" pitchFamily="34" charset="0"/>
+            <a:endParaRPr lang="fr-FR" sz="4400" dirty="0">
+              <a:latin typeface="Courier New" panose="02070309020205020404" pitchFamily="49" charset="0"/>
+              <a:cs typeface="Courier New" panose="02070309020205020404" pitchFamily="49" charset="0"/>
             </a:endParaRPr>
           </a:p>
         </p:txBody>
@@ -7022,7 +7291,7 @@
 </p:sld>
 </file>
 
-<file path=ppt/slides/slide17.xml><?xml version="1.0" encoding="utf-8"?>
+<file path=ppt/slides/slide18.xml><?xml version="1.0" encoding="utf-8"?>
 <p:sld xmlns:a="http://schemas.openxmlformats.org/drawingml/2006/main" xmlns:r="http://schemas.openxmlformats.org/officeDocument/2006/relationships" xmlns:p="http://schemas.openxmlformats.org/presentationml/2006/main">
   <p:cSld>
     <p:spTree>
@@ -7064,57 +7333,35 @@
       </p:sp>
       <p:sp>
         <p:nvSpPr>
-          <p:cNvPr id="4" name="Rectangle 3"/>
-          <p:cNvSpPr/>
-          <p:nvPr/>
-        </p:nvSpPr>
-        <p:spPr>
-          <a:xfrm>
-            <a:off x="1279161" y="3675462"/>
-            <a:ext cx="9183974" cy="369332"/>
-          </a:xfrm>
-          <a:prstGeom prst="rect">
-            <a:avLst/>
-          </a:prstGeom>
-        </p:spPr>
-        <p:txBody>
-          <a:bodyPr wrap="square">
-            <a:spAutoFit/>
-          </a:bodyPr>
-          <a:lstStyle/>
-          <a:p>
-            <a:r>
-              <a:rPr lang="fr-FR" dirty="0"/>
-              <a:t>https://github.com/enercom25/sem3_24/blob/main/agg_and_filt_examples/PriceAbove40.txt</a:t>
-            </a:r>
-          </a:p>
-        </p:txBody>
-      </p:sp>
-      <p:sp>
-        <p:nvSpPr>
-          <p:cNvPr id="5" name="Rectangle 4"/>
-          <p:cNvSpPr/>
-          <p:nvPr/>
-        </p:nvSpPr>
-        <p:spPr>
-          <a:xfrm>
-            <a:off x="1279161" y="2821022"/>
-            <a:ext cx="8944132" cy="369332"/>
-          </a:xfrm>
-          <a:prstGeom prst="rect">
-            <a:avLst/>
-          </a:prstGeom>
-        </p:spPr>
-        <p:txBody>
-          <a:bodyPr wrap="square">
-            <a:spAutoFit/>
-          </a:bodyPr>
-          <a:lstStyle/>
-          <a:p>
-            <a:r>
-              <a:rPr lang="fr-FR" dirty="0"/>
-              <a:t>https://esper-epl-tryout.appspot.com/epltryout/mainform.html</a:t>
-            </a:r>
+          <p:cNvPr id="6" name="Espace réservé du contenu 5"/>
+          <p:cNvSpPr>
+            <a:spLocks noGrp="1"/>
+          </p:cNvSpPr>
+          <p:nvPr>
+            <p:ph idx="1"/>
+          </p:nvPr>
+        </p:nvSpPr>
+        <p:spPr/>
+        <p:txBody>
+          <a:bodyPr/>
+          <a:lstStyle/>
+          <a:p>
+            <a:r>
+              <a:rPr lang="en-US" dirty="0" smtClean="0">
+                <a:hlinkClick r:id="rId2"/>
+              </a:rPr>
+              <a:t>Tool to test EPL queries</a:t>
+            </a:r>
+            <a:endParaRPr lang="en-US" dirty="0" smtClean="0"/>
+          </a:p>
+          <a:p>
+            <a:r>
+              <a:rPr lang="en-US" dirty="0" smtClean="0">
+                <a:hlinkClick r:id="rId3"/>
+              </a:rPr>
+              <a:t>Example of a simple EPL query</a:t>
+            </a:r>
+            <a:endParaRPr lang="en-US" dirty="0"/>
           </a:p>
         </p:txBody>
       </p:sp>
@@ -7131,7 +7378,7 @@
 </p:sld>
 </file>
 
-<file path=ppt/slides/slide18.xml><?xml version="1.0" encoding="utf-8"?>
+<file path=ppt/slides/slide19.xml><?xml version="1.0" encoding="utf-8"?>
 <p:sld xmlns:a="http://schemas.openxmlformats.org/drawingml/2006/main" xmlns:r="http://schemas.openxmlformats.org/officeDocument/2006/relationships" xmlns:p="http://schemas.openxmlformats.org/presentationml/2006/main">
   <p:cSld>
     <p:spTree>
@@ -7634,7 +7881,152 @@
 </p:sld>
 </file>
 
-<file path=ppt/slides/slide19.xml><?xml version="1.0" encoding="utf-8"?>
+<file path=ppt/slides/slide2.xml><?xml version="1.0" encoding="utf-8"?>
+<p:sld xmlns:a="http://schemas.openxmlformats.org/drawingml/2006/main" xmlns:r="http://schemas.openxmlformats.org/officeDocument/2006/relationships" xmlns:p="http://schemas.openxmlformats.org/presentationml/2006/main">
+  <p:cSld>
+    <p:spTree>
+      <p:nvGrpSpPr>
+        <p:cNvPr id="1" name=""/>
+        <p:cNvGrpSpPr/>
+        <p:nvPr/>
+      </p:nvGrpSpPr>
+      <p:grpSpPr>
+        <a:xfrm>
+          <a:off x="0" y="0"/>
+          <a:ext cx="0" cy="0"/>
+          <a:chOff x="0" y="0"/>
+          <a:chExt cx="0" cy="0"/>
+        </a:xfrm>
+      </p:grpSpPr>
+      <p:sp>
+        <p:nvSpPr>
+          <p:cNvPr id="2" name="Titre 1"/>
+          <p:cNvSpPr>
+            <a:spLocks noGrp="1"/>
+          </p:cNvSpPr>
+          <p:nvPr>
+            <p:ph type="title"/>
+          </p:nvPr>
+        </p:nvSpPr>
+        <p:spPr/>
+        <p:txBody>
+          <a:bodyPr/>
+          <a:lstStyle/>
+          <a:p>
+            <a:r>
+              <a:rPr lang="en-US" dirty="0" smtClean="0"/>
+              <a:t>Brief bio of the presenter</a:t>
+            </a:r>
+            <a:endParaRPr lang="en-US" dirty="0"/>
+          </a:p>
+        </p:txBody>
+      </p:sp>
+      <p:sp>
+        <p:nvSpPr>
+          <p:cNvPr id="3" name="Espace réservé du contenu 2"/>
+          <p:cNvSpPr>
+            <a:spLocks noGrp="1"/>
+          </p:cNvSpPr>
+          <p:nvPr>
+            <p:ph idx="1"/>
+          </p:nvPr>
+        </p:nvSpPr>
+        <p:spPr/>
+        <p:txBody>
+          <a:bodyPr/>
+          <a:lstStyle/>
+          <a:p>
+            <a:r>
+              <a:rPr lang="en-US" dirty="0" smtClean="0"/>
+              <a:t>CS engineer diploma from the university of Constantine</a:t>
+            </a:r>
+          </a:p>
+          <a:p>
+            <a:endParaRPr lang="en-US" dirty="0" smtClean="0"/>
+          </a:p>
+          <a:p>
+            <a:r>
+              <a:rPr lang="en-US" dirty="0" smtClean="0"/>
+              <a:t>PhD </a:t>
+            </a:r>
+            <a:r>
+              <a:rPr lang="en-US" dirty="0" smtClean="0"/>
+              <a:t>from the university of Lyon &amp; Airbus Group research center</a:t>
+            </a:r>
+          </a:p>
+          <a:p>
+            <a:endParaRPr lang="en-US" dirty="0" smtClean="0"/>
+          </a:p>
+          <a:p>
+            <a:r>
+              <a:rPr lang="en-US" dirty="0" err="1" smtClean="0"/>
+              <a:t>Maitre</a:t>
+            </a:r>
+            <a:r>
+              <a:rPr lang="en-US" dirty="0" smtClean="0"/>
+              <a:t> </a:t>
+            </a:r>
+            <a:r>
+              <a:rPr lang="en-US" dirty="0" smtClean="0"/>
+              <a:t>de </a:t>
+            </a:r>
+            <a:r>
+              <a:rPr lang="en-US" dirty="0" err="1" smtClean="0"/>
+              <a:t>Conférences</a:t>
+            </a:r>
+            <a:r>
+              <a:rPr lang="en-US" dirty="0" smtClean="0"/>
+              <a:t> </a:t>
+            </a:r>
+            <a:r>
+              <a:rPr lang="en-US" dirty="0" err="1" smtClean="0"/>
+              <a:t>associé</a:t>
+            </a:r>
+            <a:r>
+              <a:rPr lang="en-US" dirty="0" smtClean="0"/>
+              <a:t> at the university of Creteil in </a:t>
+            </a:r>
+            <a:r>
+              <a:rPr lang="en-US" dirty="0" smtClean="0"/>
+              <a:t>Paris</a:t>
+            </a:r>
+          </a:p>
+          <a:p>
+            <a:endParaRPr lang="en-US" dirty="0"/>
+          </a:p>
+          <a:p>
+            <a:r>
+              <a:rPr lang="en-US" dirty="0" smtClean="0"/>
+              <a:t>Interests: data management, avionics</a:t>
+            </a:r>
+            <a:endParaRPr lang="en-US" dirty="0" smtClean="0"/>
+          </a:p>
+          <a:p>
+            <a:endParaRPr lang="en-US" dirty="0"/>
+          </a:p>
+        </p:txBody>
+      </p:sp>
+    </p:spTree>
+    <p:extLst>
+      <p:ext uri="{BB962C8B-B14F-4D97-AF65-F5344CB8AC3E}">
+        <p14:creationId xmlns:p14="http://schemas.microsoft.com/office/powerpoint/2010/main" val="540482221"/>
+      </p:ext>
+    </p:extLst>
+  </p:cSld>
+  <p:clrMapOvr>
+    <a:masterClrMapping/>
+  </p:clrMapOvr>
+  <p:timing>
+    <p:tnLst>
+      <p:par>
+        <p:cTn id="1" dur="indefinite" restart="never" nodeType="tmRoot"/>
+      </p:par>
+    </p:tnLst>
+  </p:timing>
+</p:sld>
+</file>
+
+<file path=ppt/slides/slide20.xml><?xml version="1.0" encoding="utf-8"?>
 <p:sld xmlns:a="http://schemas.openxmlformats.org/drawingml/2006/main" xmlns:r="http://schemas.openxmlformats.org/officeDocument/2006/relationships" xmlns:p="http://schemas.openxmlformats.org/presentationml/2006/main">
   <p:cSld>
     <p:spTree>
@@ -7902,241 +8294,6 @@
 </p:sld>
 </file>
 
-<file path=ppt/slides/slide2.xml><?xml version="1.0" encoding="utf-8"?>
-<p:sld xmlns:a="http://schemas.openxmlformats.org/drawingml/2006/main" xmlns:r="http://schemas.openxmlformats.org/officeDocument/2006/relationships" xmlns:p="http://schemas.openxmlformats.org/presentationml/2006/main">
-  <p:cSld>
-    <p:spTree>
-      <p:nvGrpSpPr>
-        <p:cNvPr id="1" name=""/>
-        <p:cNvGrpSpPr/>
-        <p:nvPr/>
-      </p:nvGrpSpPr>
-      <p:grpSpPr>
-        <a:xfrm>
-          <a:off x="0" y="0"/>
-          <a:ext cx="0" cy="0"/>
-          <a:chOff x="0" y="0"/>
-          <a:chExt cx="0" cy="0"/>
-        </a:xfrm>
-      </p:grpSpPr>
-      <p:sp>
-        <p:nvSpPr>
-          <p:cNvPr id="2" name="Titre 1"/>
-          <p:cNvSpPr>
-            <a:spLocks noGrp="1"/>
-          </p:cNvSpPr>
-          <p:nvPr>
-            <p:ph type="title"/>
-          </p:nvPr>
-        </p:nvSpPr>
-        <p:spPr/>
-        <p:txBody>
-          <a:bodyPr/>
-          <a:lstStyle/>
-          <a:p>
-            <a:r>
-              <a:rPr lang="en-US" dirty="0" smtClean="0"/>
-              <a:t>Brief bio of the presenter</a:t>
-            </a:r>
-            <a:endParaRPr lang="en-US" dirty="0"/>
-          </a:p>
-        </p:txBody>
-      </p:sp>
-      <p:sp>
-        <p:nvSpPr>
-          <p:cNvPr id="3" name="Espace réservé du contenu 2"/>
-          <p:cNvSpPr>
-            <a:spLocks noGrp="1"/>
-          </p:cNvSpPr>
-          <p:nvPr>
-            <p:ph idx="1"/>
-          </p:nvPr>
-        </p:nvSpPr>
-        <p:spPr/>
-        <p:txBody>
-          <a:bodyPr/>
-          <a:lstStyle/>
-          <a:p>
-            <a:r>
-              <a:rPr lang="en-US" dirty="0" smtClean="0"/>
-              <a:t>CS engineer diploma from the university of Constantine</a:t>
-            </a:r>
-          </a:p>
-          <a:p>
-            <a:endParaRPr lang="en-US" dirty="0" smtClean="0"/>
-          </a:p>
-          <a:p>
-            <a:r>
-              <a:rPr lang="en-US" dirty="0" smtClean="0"/>
-              <a:t>PhD </a:t>
-            </a:r>
-            <a:r>
-              <a:rPr lang="en-US" dirty="0" smtClean="0"/>
-              <a:t>from the university of Lyon &amp; Airbus Group research center</a:t>
-            </a:r>
-          </a:p>
-          <a:p>
-            <a:endParaRPr lang="en-US" dirty="0" smtClean="0"/>
-          </a:p>
-          <a:p>
-            <a:r>
-              <a:rPr lang="en-US" dirty="0" err="1" smtClean="0"/>
-              <a:t>Maitre</a:t>
-            </a:r>
-            <a:r>
-              <a:rPr lang="en-US" dirty="0" smtClean="0"/>
-              <a:t> </a:t>
-            </a:r>
-            <a:r>
-              <a:rPr lang="en-US" dirty="0" smtClean="0"/>
-              <a:t>de </a:t>
-            </a:r>
-            <a:r>
-              <a:rPr lang="en-US" dirty="0" err="1" smtClean="0"/>
-              <a:t>Conférences</a:t>
-            </a:r>
-            <a:r>
-              <a:rPr lang="en-US" dirty="0" smtClean="0"/>
-              <a:t> </a:t>
-            </a:r>
-            <a:r>
-              <a:rPr lang="en-US" dirty="0" err="1" smtClean="0"/>
-              <a:t>associé</a:t>
-            </a:r>
-            <a:r>
-              <a:rPr lang="en-US" dirty="0" smtClean="0"/>
-              <a:t> at the university of Creteil in </a:t>
-            </a:r>
-            <a:r>
-              <a:rPr lang="en-US" dirty="0" smtClean="0"/>
-              <a:t>Paris</a:t>
-            </a:r>
-          </a:p>
-          <a:p>
-            <a:endParaRPr lang="en-US" dirty="0"/>
-          </a:p>
-          <a:p>
-            <a:r>
-              <a:rPr lang="en-US" dirty="0" smtClean="0"/>
-              <a:t>Interests: data management, avionics</a:t>
-            </a:r>
-            <a:endParaRPr lang="en-US" dirty="0" smtClean="0"/>
-          </a:p>
-          <a:p>
-            <a:endParaRPr lang="en-US" dirty="0"/>
-          </a:p>
-        </p:txBody>
-      </p:sp>
-    </p:spTree>
-    <p:extLst>
-      <p:ext uri="{BB962C8B-B14F-4D97-AF65-F5344CB8AC3E}">
-        <p14:creationId xmlns:p14="http://schemas.microsoft.com/office/powerpoint/2010/main" val="540482221"/>
-      </p:ext>
-    </p:extLst>
-  </p:cSld>
-  <p:clrMapOvr>
-    <a:masterClrMapping/>
-  </p:clrMapOvr>
-  <p:timing>
-    <p:tnLst>
-      <p:par>
-        <p:cTn id="1" dur="indefinite" restart="never" nodeType="tmRoot"/>
-      </p:par>
-    </p:tnLst>
-  </p:timing>
-</p:sld>
-</file>
-
-<file path=ppt/slides/slide20.xml><?xml version="1.0" encoding="utf-8"?>
-<p:sld xmlns:a="http://schemas.openxmlformats.org/drawingml/2006/main" xmlns:r="http://schemas.openxmlformats.org/officeDocument/2006/relationships" xmlns:p="http://schemas.openxmlformats.org/presentationml/2006/main">
-  <p:cSld>
-    <p:spTree>
-      <p:nvGrpSpPr>
-        <p:cNvPr id="1" name=""/>
-        <p:cNvGrpSpPr/>
-        <p:nvPr/>
-      </p:nvGrpSpPr>
-      <p:grpSpPr>
-        <a:xfrm>
-          <a:off x="0" y="0"/>
-          <a:ext cx="0" cy="0"/>
-          <a:chOff x="0" y="0"/>
-          <a:chExt cx="0" cy="0"/>
-        </a:xfrm>
-      </p:grpSpPr>
-      <p:sp>
-        <p:nvSpPr>
-          <p:cNvPr id="2" name="Title 1">
-            <a:extLst>
-              <a:ext uri="{FF2B5EF4-FFF2-40B4-BE49-F238E27FC236}">
-                <a16:creationId xmlns="" xmlns:a16="http://schemas.microsoft.com/office/drawing/2014/main" id="{971F7D68-FD89-4E53-B003-3E1B4A62E469}"/>
-              </a:ext>
-            </a:extLst>
-          </p:cNvPr>
-          <p:cNvSpPr>
-            <a:spLocks noGrp="1"/>
-          </p:cNvSpPr>
-          <p:nvPr>
-            <p:ph type="title"/>
-          </p:nvPr>
-        </p:nvSpPr>
-        <p:spPr/>
-        <p:txBody>
-          <a:bodyPr/>
-          <a:lstStyle/>
-          <a:p>
-            <a:r>
-              <a:rPr lang="en-US" dirty="0" smtClean="0"/>
-              <a:t>EPL: Windows Illustration</a:t>
-            </a:r>
-            <a:endParaRPr lang="en-US" dirty="0"/>
-          </a:p>
-        </p:txBody>
-      </p:sp>
-      <p:pic>
-        <p:nvPicPr>
-          <p:cNvPr id="5" name="Image 4"/>
-          <p:cNvPicPr>
-            <a:picLocks noChangeAspect="1"/>
-          </p:cNvPicPr>
-          <p:nvPr/>
-        </p:nvPicPr>
-        <p:blipFill>
-          <a:blip r:embed="rId3"/>
-          <a:stretch>
-            <a:fillRect/>
-          </a:stretch>
-        </p:blipFill>
-        <p:spPr>
-          <a:xfrm>
-            <a:off x="182494" y="2086785"/>
-            <a:ext cx="11827011" cy="3375025"/>
-          </a:xfrm>
-          <a:prstGeom prst="rect">
-            <a:avLst/>
-          </a:prstGeom>
-        </p:spPr>
-      </p:pic>
-    </p:spTree>
-    <p:extLst>
-      <p:ext uri="{BB962C8B-B14F-4D97-AF65-F5344CB8AC3E}">
-        <p14:creationId xmlns:p14="http://schemas.microsoft.com/office/powerpoint/2010/main" val="2364545500"/>
-      </p:ext>
-    </p:extLst>
-  </p:cSld>
-  <p:clrMapOvr>
-    <a:masterClrMapping/>
-  </p:clrMapOvr>
-  <p:timing>
-    <p:tnLst>
-      <p:par>
-        <p:cTn id="1" dur="indefinite" restart="never" nodeType="tmRoot"/>
-      </p:par>
-    </p:tnLst>
-  </p:timing>
-</p:sld>
-</file>
-
 <file path=ppt/slides/slide21.xml><?xml version="1.0" encoding="utf-8"?>
 <p:sld xmlns:a="http://schemas.openxmlformats.org/drawingml/2006/main" xmlns:r="http://schemas.openxmlformats.org/officeDocument/2006/relationships" xmlns:p="http://schemas.openxmlformats.org/presentationml/2006/main">
   <p:cSld>
@@ -8185,7 +8342,7 @@
       </p:sp>
       <p:pic>
         <p:nvPicPr>
-          <p:cNvPr id="3" name="Image 2"/>
+          <p:cNvPr id="5" name="Image 4"/>
           <p:cNvPicPr>
             <a:picLocks noChangeAspect="1"/>
           </p:cNvPicPr>
@@ -8199,8 +8356,8 @@
         </p:blipFill>
         <p:spPr>
           <a:xfrm>
-            <a:off x="532559" y="1943100"/>
-            <a:ext cx="11031912" cy="4286372"/>
+            <a:off x="182494" y="2086785"/>
+            <a:ext cx="11827011" cy="3375025"/>
           </a:xfrm>
           <a:prstGeom prst="rect">
             <a:avLst/>
@@ -8210,7 +8367,7 @@
     </p:spTree>
     <p:extLst>
       <p:ext uri="{BB962C8B-B14F-4D97-AF65-F5344CB8AC3E}">
-        <p14:creationId xmlns:p14="http://schemas.microsoft.com/office/powerpoint/2010/main" val="1201228412"/>
+        <p14:creationId xmlns:p14="http://schemas.microsoft.com/office/powerpoint/2010/main" val="2364545500"/>
       </p:ext>
     </p:extLst>
   </p:cSld>
@@ -8246,7 +8403,13 @@
       </p:grpSpPr>
       <p:sp>
         <p:nvSpPr>
-          <p:cNvPr id="2" name="Titre 1"/>
+          <p:cNvPr id="2" name="Title 1">
+            <a:extLst>
+              <a:ext uri="{FF2B5EF4-FFF2-40B4-BE49-F238E27FC236}">
+                <a16:creationId xmlns="" xmlns:a16="http://schemas.microsoft.com/office/drawing/2014/main" id="{971F7D68-FD89-4E53-B003-3E1B4A62E469}"/>
+              </a:ext>
+            </a:extLst>
+          </p:cNvPr>
           <p:cNvSpPr>
             <a:spLocks noGrp="1"/>
           </p:cNvSpPr>
@@ -8260,60 +8423,54 @@
           <a:lstStyle/>
           <a:p>
             <a:r>
-              <a:rPr lang="fr-FR" dirty="0" smtClean="0"/>
-              <a:t>Hands-On</a:t>
-            </a:r>
-            <a:endParaRPr lang="fr-FR" dirty="0"/>
-          </a:p>
-        </p:txBody>
-      </p:sp>
-      <p:sp>
-        <p:nvSpPr>
-          <p:cNvPr id="3" name="Espace réservé du contenu 2"/>
-          <p:cNvSpPr>
-            <a:spLocks noGrp="1"/>
-          </p:cNvSpPr>
-          <p:nvPr>
-            <p:ph idx="1"/>
-          </p:nvPr>
-        </p:nvSpPr>
-        <p:spPr/>
-        <p:txBody>
-          <a:bodyPr/>
-          <a:lstStyle/>
-          <a:p>
-            <a:r>
-              <a:rPr lang="en-US" dirty="0" smtClean="0">
-                <a:hlinkClick r:id="rId2"/>
-              </a:rPr>
-              <a:t>Time Window Example</a:t>
-            </a:r>
-            <a:endParaRPr lang="en-US" dirty="0" smtClean="0"/>
-          </a:p>
-          <a:p>
-            <a:r>
-              <a:rPr lang="en-US" dirty="0" smtClean="0">
-                <a:hlinkClick r:id="rId3"/>
-              </a:rPr>
-              <a:t>Data Window Example</a:t>
-            </a:r>
-            <a:endParaRPr lang="en-US" dirty="0" smtClean="0"/>
-          </a:p>
-          <a:p>
-            <a:endParaRPr lang="en-US" dirty="0" smtClean="0"/>
-          </a:p>
-        </p:txBody>
-      </p:sp>
+              <a:rPr lang="en-US" dirty="0" smtClean="0"/>
+              <a:t>EPL: Windows Illustration</a:t>
+            </a:r>
+            <a:endParaRPr lang="en-US" dirty="0"/>
+          </a:p>
+        </p:txBody>
+      </p:sp>
+      <p:pic>
+        <p:nvPicPr>
+          <p:cNvPr id="3" name="Image 2"/>
+          <p:cNvPicPr>
+            <a:picLocks noChangeAspect="1"/>
+          </p:cNvPicPr>
+          <p:nvPr/>
+        </p:nvPicPr>
+        <p:blipFill>
+          <a:blip r:embed="rId3"/>
+          <a:stretch>
+            <a:fillRect/>
+          </a:stretch>
+        </p:blipFill>
+        <p:spPr>
+          <a:xfrm>
+            <a:off x="532559" y="1943100"/>
+            <a:ext cx="11031912" cy="4286372"/>
+          </a:xfrm>
+          <a:prstGeom prst="rect">
+            <a:avLst/>
+          </a:prstGeom>
+        </p:spPr>
+      </p:pic>
     </p:spTree>
     <p:extLst>
       <p:ext uri="{BB962C8B-B14F-4D97-AF65-F5344CB8AC3E}">
-        <p14:creationId xmlns:p14="http://schemas.microsoft.com/office/powerpoint/2010/main" val="2852511604"/>
+        <p14:creationId xmlns:p14="http://schemas.microsoft.com/office/powerpoint/2010/main" val="1201228412"/>
       </p:ext>
     </p:extLst>
   </p:cSld>
   <p:clrMapOvr>
     <a:masterClrMapping/>
   </p:clrMapOvr>
+  <p:timing>
+    <p:tnLst>
+      <p:par>
+        <p:cTn id="1" dur="indefinite" restart="never" nodeType="tmRoot"/>
+      </p:par>
+    </p:tnLst>
+  </p:timing>
 </p:sld>
 </file>
 
@@ -8350,6 +8507,96 @@
           <a:lstStyle/>
           <a:p>
             <a:r>
+              <a:rPr lang="fr-FR" dirty="0" smtClean="0"/>
+              <a:t>Hands-On</a:t>
+            </a:r>
+            <a:endParaRPr lang="fr-FR" dirty="0"/>
+          </a:p>
+        </p:txBody>
+      </p:sp>
+      <p:sp>
+        <p:nvSpPr>
+          <p:cNvPr id="3" name="Espace réservé du contenu 2"/>
+          <p:cNvSpPr>
+            <a:spLocks noGrp="1"/>
+          </p:cNvSpPr>
+          <p:nvPr>
+            <p:ph idx="1"/>
+          </p:nvPr>
+        </p:nvSpPr>
+        <p:spPr/>
+        <p:txBody>
+          <a:bodyPr/>
+          <a:lstStyle/>
+          <a:p>
+            <a:r>
+              <a:rPr lang="en-US" dirty="0" smtClean="0">
+                <a:hlinkClick r:id="rId2"/>
+              </a:rPr>
+              <a:t>Time Window Example</a:t>
+            </a:r>
+            <a:endParaRPr lang="en-US" dirty="0" smtClean="0"/>
+          </a:p>
+          <a:p>
+            <a:r>
+              <a:rPr lang="en-US" dirty="0" smtClean="0">
+                <a:hlinkClick r:id="rId3"/>
+              </a:rPr>
+              <a:t>Data Window Example</a:t>
+            </a:r>
+            <a:endParaRPr lang="en-US" dirty="0" smtClean="0"/>
+          </a:p>
+          <a:p>
+            <a:endParaRPr lang="en-US" dirty="0" smtClean="0"/>
+          </a:p>
+        </p:txBody>
+      </p:sp>
+    </p:spTree>
+    <p:extLst>
+      <p:ext uri="{BB962C8B-B14F-4D97-AF65-F5344CB8AC3E}">
+        <p14:creationId xmlns:p14="http://schemas.microsoft.com/office/powerpoint/2010/main" val="2852511604"/>
+      </p:ext>
+    </p:extLst>
+  </p:cSld>
+  <p:clrMapOvr>
+    <a:masterClrMapping/>
+  </p:clrMapOvr>
+</p:sld>
+</file>
+
+<file path=ppt/slides/slide24.xml><?xml version="1.0" encoding="utf-8"?>
+<p:sld xmlns:a="http://schemas.openxmlformats.org/drawingml/2006/main" xmlns:r="http://schemas.openxmlformats.org/officeDocument/2006/relationships" xmlns:p="http://schemas.openxmlformats.org/presentationml/2006/main">
+  <p:cSld>
+    <p:spTree>
+      <p:nvGrpSpPr>
+        <p:cNvPr id="1" name=""/>
+        <p:cNvGrpSpPr/>
+        <p:nvPr/>
+      </p:nvGrpSpPr>
+      <p:grpSpPr>
+        <a:xfrm>
+          <a:off x="0" y="0"/>
+          <a:ext cx="0" cy="0"/>
+          <a:chOff x="0" y="0"/>
+          <a:chExt cx="0" cy="0"/>
+        </a:xfrm>
+      </p:grpSpPr>
+      <p:sp>
+        <p:nvSpPr>
+          <p:cNvPr id="2" name="Titre 1"/>
+          <p:cNvSpPr>
+            <a:spLocks noGrp="1"/>
+          </p:cNvSpPr>
+          <p:nvPr>
+            <p:ph type="title"/>
+          </p:nvPr>
+        </p:nvSpPr>
+        <p:spPr/>
+        <p:txBody>
+          <a:bodyPr/>
+          <a:lstStyle/>
+          <a:p>
+            <a:r>
               <a:rPr lang="en-US" dirty="0" smtClean="0"/>
               <a:t>EPL: Match-Recognize Patterns</a:t>
             </a:r>
@@ -8967,7 +9214,7 @@
 </p:sld>
 </file>
 
-<file path=ppt/slides/slide24.xml><?xml version="1.0" encoding="utf-8"?>
+<file path=ppt/slides/slide25.xml><?xml version="1.0" encoding="utf-8"?>
 <p:sld xmlns:a="http://schemas.openxmlformats.org/drawingml/2006/main" xmlns:r="http://schemas.openxmlformats.org/officeDocument/2006/relationships" xmlns:p="http://schemas.openxmlformats.org/presentationml/2006/main">
   <p:cSld>
     <p:spTree>
@@ -10522,7 +10769,7 @@
 </p:sld>
 </file>
 
-<file path=ppt/slides/slide25.xml><?xml version="1.0" encoding="utf-8"?>
+<file path=ppt/slides/slide26.xml><?xml version="1.0" encoding="utf-8"?>
 <p:sld xmlns:a="http://schemas.openxmlformats.org/drawingml/2006/main" xmlns:r="http://schemas.openxmlformats.org/officeDocument/2006/relationships" xmlns:p="http://schemas.openxmlformats.org/presentationml/2006/main">
   <p:cSld>
     <p:spTree>
@@ -12123,7 +12370,7 @@
 </p:sld>
 </file>
 
-<file path=ppt/slides/slide26.xml><?xml version="1.0" encoding="utf-8"?>
+<file path=ppt/slides/slide27.xml><?xml version="1.0" encoding="utf-8"?>
 <p:sld xmlns:a="http://schemas.openxmlformats.org/drawingml/2006/main" xmlns:r="http://schemas.openxmlformats.org/officeDocument/2006/relationships" xmlns:p="http://schemas.openxmlformats.org/presentationml/2006/main">
   <p:cSld>
     <p:spTree>
@@ -13724,7 +13971,7 @@
 </p:sld>
 </file>
 
-<file path=ppt/slides/slide27.xml><?xml version="1.0" encoding="utf-8"?>
+<file path=ppt/slides/slide28.xml><?xml version="1.0" encoding="utf-8"?>
 <p:sld xmlns:a="http://schemas.openxmlformats.org/drawingml/2006/main" xmlns:r="http://schemas.openxmlformats.org/officeDocument/2006/relationships" xmlns:p="http://schemas.openxmlformats.org/presentationml/2006/main">
   <p:cSld>
     <p:spTree>
@@ -15357,7 +15604,7 @@
 </p:sld>
 </file>
 
-<file path=ppt/slides/slide28.xml><?xml version="1.0" encoding="utf-8"?>
+<file path=ppt/slides/slide29.xml><?xml version="1.0" encoding="utf-8"?>
 <p:sld xmlns:a="http://schemas.openxmlformats.org/drawingml/2006/main" xmlns:r="http://schemas.openxmlformats.org/officeDocument/2006/relationships" xmlns:p="http://schemas.openxmlformats.org/presentationml/2006/main">
   <p:cSld>
     <p:spTree>
@@ -16990,7 +17237,152 @@
 </p:sld>
 </file>
 
-<file path=ppt/slides/slide29.xml><?xml version="1.0" encoding="utf-8"?>
+<file path=ppt/slides/slide3.xml><?xml version="1.0" encoding="utf-8"?>
+<p:sld xmlns:a="http://schemas.openxmlformats.org/drawingml/2006/main" xmlns:r="http://schemas.openxmlformats.org/officeDocument/2006/relationships" xmlns:p="http://schemas.openxmlformats.org/presentationml/2006/main">
+  <p:cSld>
+    <p:spTree>
+      <p:nvGrpSpPr>
+        <p:cNvPr id="1" name=""/>
+        <p:cNvGrpSpPr/>
+        <p:nvPr/>
+      </p:nvGrpSpPr>
+      <p:grpSpPr>
+        <a:xfrm>
+          <a:off x="0" y="0"/>
+          <a:ext cx="0" cy="0"/>
+          <a:chOff x="0" y="0"/>
+          <a:chExt cx="0" cy="0"/>
+        </a:xfrm>
+      </p:grpSpPr>
+      <p:sp>
+        <p:nvSpPr>
+          <p:cNvPr id="2" name="Titre 1"/>
+          <p:cNvSpPr>
+            <a:spLocks noGrp="1"/>
+          </p:cNvSpPr>
+          <p:nvPr>
+            <p:ph type="title"/>
+          </p:nvPr>
+        </p:nvSpPr>
+        <p:spPr/>
+        <p:txBody>
+          <a:bodyPr/>
+          <a:lstStyle/>
+          <a:p>
+            <a:r>
+              <a:rPr lang="en-US" dirty="0" smtClean="0"/>
+              <a:t>Presentation outline</a:t>
+            </a:r>
+            <a:endParaRPr lang="en-US" dirty="0"/>
+          </a:p>
+        </p:txBody>
+      </p:sp>
+      <p:sp>
+        <p:nvSpPr>
+          <p:cNvPr id="3" name="Espace réservé du contenu 2"/>
+          <p:cNvSpPr>
+            <a:spLocks noGrp="1"/>
+          </p:cNvSpPr>
+          <p:nvPr>
+            <p:ph idx="1"/>
+          </p:nvPr>
+        </p:nvSpPr>
+        <p:spPr/>
+        <p:txBody>
+          <a:bodyPr>
+            <a:normAutofit lnSpcReduction="10000"/>
+          </a:bodyPr>
+          <a:lstStyle/>
+          <a:p>
+            <a:r>
+              <a:rPr lang="en-US" dirty="0" smtClean="0"/>
+              <a:t>Complex event processing: conceptual presentation</a:t>
+            </a:r>
+          </a:p>
+          <a:p>
+            <a:pPr lvl="1"/>
+            <a:r>
+              <a:rPr lang="en-US" dirty="0" smtClean="0"/>
+              <a:t>Processing stream of events</a:t>
+            </a:r>
+          </a:p>
+          <a:p>
+            <a:pPr lvl="1"/>
+            <a:r>
+              <a:rPr lang="en-US" dirty="0" smtClean="0"/>
+              <a:t>Aggregating data to process them windows mechanism</a:t>
+            </a:r>
+          </a:p>
+          <a:p>
+            <a:pPr lvl="1"/>
+            <a:r>
+              <a:rPr lang="en-US" dirty="0" smtClean="0"/>
+              <a:t>Queries to detect patterns of events</a:t>
+            </a:r>
+          </a:p>
+          <a:p>
+            <a:endParaRPr lang="en-US" dirty="0" smtClean="0"/>
+          </a:p>
+          <a:p>
+            <a:r>
+              <a:rPr lang="en-US" dirty="0" smtClean="0"/>
+              <a:t>Application of complex event processing with </a:t>
+            </a:r>
+            <a:r>
+              <a:rPr lang="en-US" dirty="0" err="1" smtClean="0"/>
+              <a:t>Esper</a:t>
+            </a:r>
+            <a:endParaRPr lang="en-US" dirty="0" smtClean="0"/>
+          </a:p>
+          <a:p>
+            <a:endParaRPr lang="en-US" dirty="0" smtClean="0"/>
+          </a:p>
+          <a:p>
+            <a:r>
+              <a:rPr lang="en-US" dirty="0" smtClean="0"/>
+              <a:t>Use case: Trivia example</a:t>
+            </a:r>
+          </a:p>
+          <a:p>
+            <a:endParaRPr lang="en-US" dirty="0" smtClean="0"/>
+          </a:p>
+          <a:p>
+            <a:r>
+              <a:rPr lang="en-US" dirty="0" smtClean="0"/>
+              <a:t>Limitations of </a:t>
+            </a:r>
+            <a:r>
+              <a:rPr lang="en-US" dirty="0" err="1" smtClean="0"/>
+              <a:t>Esper</a:t>
+            </a:r>
+            <a:r>
+              <a:rPr lang="en-US" dirty="0" smtClean="0"/>
+              <a:t> and workarounds from the industry</a:t>
+            </a:r>
+          </a:p>
+        </p:txBody>
+      </p:sp>
+    </p:spTree>
+    <p:extLst>
+      <p:ext uri="{BB962C8B-B14F-4D97-AF65-F5344CB8AC3E}">
+        <p14:creationId xmlns:p14="http://schemas.microsoft.com/office/powerpoint/2010/main" val="3147851992"/>
+      </p:ext>
+    </p:extLst>
+  </p:cSld>
+  <p:clrMapOvr>
+    <a:masterClrMapping/>
+  </p:clrMapOvr>
+  <p:timing>
+    <p:tnLst>
+      <p:par>
+        <p:cTn id="1" dur="indefinite" restart="never" nodeType="tmRoot"/>
+      </p:par>
+    </p:tnLst>
+  </p:timing>
+</p:sld>
+</file>
+
+<file path=ppt/slides/slide30.xml><?xml version="1.0" encoding="utf-8"?>
 <p:sld xmlns:a="http://schemas.openxmlformats.org/drawingml/2006/main" xmlns:r="http://schemas.openxmlformats.org/officeDocument/2006/relationships" xmlns:p="http://schemas.openxmlformats.org/presentationml/2006/main">
   <p:cSld>
     <p:spTree>
@@ -17078,152 +17470,7 @@
 </p:sld>
 </file>
 
-<file path=ppt/slides/slide3.xml><?xml version="1.0" encoding="utf-8"?>
-<p:sld xmlns:a="http://schemas.openxmlformats.org/drawingml/2006/main" xmlns:r="http://schemas.openxmlformats.org/officeDocument/2006/relationships" xmlns:p="http://schemas.openxmlformats.org/presentationml/2006/main">
-  <p:cSld>
-    <p:spTree>
-      <p:nvGrpSpPr>
-        <p:cNvPr id="1" name=""/>
-        <p:cNvGrpSpPr/>
-        <p:nvPr/>
-      </p:nvGrpSpPr>
-      <p:grpSpPr>
-        <a:xfrm>
-          <a:off x="0" y="0"/>
-          <a:ext cx="0" cy="0"/>
-          <a:chOff x="0" y="0"/>
-          <a:chExt cx="0" cy="0"/>
-        </a:xfrm>
-      </p:grpSpPr>
-      <p:sp>
-        <p:nvSpPr>
-          <p:cNvPr id="2" name="Titre 1"/>
-          <p:cNvSpPr>
-            <a:spLocks noGrp="1"/>
-          </p:cNvSpPr>
-          <p:nvPr>
-            <p:ph type="title"/>
-          </p:nvPr>
-        </p:nvSpPr>
-        <p:spPr/>
-        <p:txBody>
-          <a:bodyPr/>
-          <a:lstStyle/>
-          <a:p>
-            <a:r>
-              <a:rPr lang="en-US" dirty="0" smtClean="0"/>
-              <a:t>Presentation outline</a:t>
-            </a:r>
-            <a:endParaRPr lang="en-US" dirty="0"/>
-          </a:p>
-        </p:txBody>
-      </p:sp>
-      <p:sp>
-        <p:nvSpPr>
-          <p:cNvPr id="3" name="Espace réservé du contenu 2"/>
-          <p:cNvSpPr>
-            <a:spLocks noGrp="1"/>
-          </p:cNvSpPr>
-          <p:nvPr>
-            <p:ph idx="1"/>
-          </p:nvPr>
-        </p:nvSpPr>
-        <p:spPr/>
-        <p:txBody>
-          <a:bodyPr>
-            <a:normAutofit lnSpcReduction="10000"/>
-          </a:bodyPr>
-          <a:lstStyle/>
-          <a:p>
-            <a:r>
-              <a:rPr lang="en-US" dirty="0" smtClean="0"/>
-              <a:t>Complex event processing: conceptual presentation</a:t>
-            </a:r>
-          </a:p>
-          <a:p>
-            <a:pPr lvl="1"/>
-            <a:r>
-              <a:rPr lang="en-US" dirty="0" smtClean="0"/>
-              <a:t>Processing stream of events</a:t>
-            </a:r>
-          </a:p>
-          <a:p>
-            <a:pPr lvl="1"/>
-            <a:r>
-              <a:rPr lang="en-US" dirty="0" smtClean="0"/>
-              <a:t>Aggregating data to process them windows mechanism</a:t>
-            </a:r>
-          </a:p>
-          <a:p>
-            <a:pPr lvl="1"/>
-            <a:r>
-              <a:rPr lang="en-US" dirty="0" smtClean="0"/>
-              <a:t>Queries to detect patterns of events</a:t>
-            </a:r>
-          </a:p>
-          <a:p>
-            <a:endParaRPr lang="en-US" dirty="0" smtClean="0"/>
-          </a:p>
-          <a:p>
-            <a:r>
-              <a:rPr lang="en-US" dirty="0" smtClean="0"/>
-              <a:t>Application of complex event processing with </a:t>
-            </a:r>
-            <a:r>
-              <a:rPr lang="en-US" dirty="0" err="1" smtClean="0"/>
-              <a:t>Esper</a:t>
-            </a:r>
-            <a:endParaRPr lang="en-US" dirty="0" smtClean="0"/>
-          </a:p>
-          <a:p>
-            <a:endParaRPr lang="en-US" dirty="0" smtClean="0"/>
-          </a:p>
-          <a:p>
-            <a:r>
-              <a:rPr lang="en-US" dirty="0" smtClean="0"/>
-              <a:t>Use case: Trivia example</a:t>
-            </a:r>
-          </a:p>
-          <a:p>
-            <a:endParaRPr lang="en-US" dirty="0" smtClean="0"/>
-          </a:p>
-          <a:p>
-            <a:r>
-              <a:rPr lang="en-US" dirty="0" smtClean="0"/>
-              <a:t>Limitations of </a:t>
-            </a:r>
-            <a:r>
-              <a:rPr lang="en-US" dirty="0" err="1" smtClean="0"/>
-              <a:t>Esper</a:t>
-            </a:r>
-            <a:r>
-              <a:rPr lang="en-US" dirty="0" smtClean="0"/>
-              <a:t> and workarounds from the industry</a:t>
-            </a:r>
-          </a:p>
-        </p:txBody>
-      </p:sp>
-    </p:spTree>
-    <p:extLst>
-      <p:ext uri="{BB962C8B-B14F-4D97-AF65-F5344CB8AC3E}">
-        <p14:creationId xmlns:p14="http://schemas.microsoft.com/office/powerpoint/2010/main" val="3147851992"/>
-      </p:ext>
-    </p:extLst>
-  </p:cSld>
-  <p:clrMapOvr>
-    <a:masterClrMapping/>
-  </p:clrMapOvr>
-  <p:timing>
-    <p:tnLst>
-      <p:par>
-        <p:cTn id="1" dur="indefinite" restart="never" nodeType="tmRoot"/>
-      </p:par>
-    </p:tnLst>
-  </p:timing>
-</p:sld>
-</file>
-
-<file path=ppt/slides/slide30.xml><?xml version="1.0" encoding="utf-8"?>
+<file path=ppt/slides/slide31.xml><?xml version="1.0" encoding="utf-8"?>
 <p:sld xmlns:a="http://schemas.openxmlformats.org/drawingml/2006/main" xmlns:r="http://schemas.openxmlformats.org/officeDocument/2006/relationships" xmlns:p="http://schemas.openxmlformats.org/presentationml/2006/main">
   <p:cSld>
     <p:spTree>
@@ -17780,7 +18027,7 @@
 </p:sld>
 </file>
 
-<file path=ppt/slides/slide31.xml><?xml version="1.0" encoding="utf-8"?>
+<file path=ppt/slides/slide32.xml><?xml version="1.0" encoding="utf-8"?>
 <p:sld xmlns:a="http://schemas.openxmlformats.org/drawingml/2006/main" xmlns:r="http://schemas.openxmlformats.org/officeDocument/2006/relationships" xmlns:p="http://schemas.openxmlformats.org/presentationml/2006/main">
   <p:cSld>
     <p:spTree>
@@ -18420,7 +18667,7 @@
 </p:sld>
 </file>
 
-<file path=ppt/slides/slide32.xml><?xml version="1.0" encoding="utf-8"?>
+<file path=ppt/slides/slide33.xml><?xml version="1.0" encoding="utf-8"?>
 <p:sld xmlns:a="http://schemas.openxmlformats.org/drawingml/2006/main" xmlns:r="http://schemas.openxmlformats.org/officeDocument/2006/relationships" xmlns:p="http://schemas.openxmlformats.org/presentationml/2006/main">
   <p:cSld>
     <p:spTree>
@@ -19147,7 +19394,7 @@
 </p:sld>
 </file>
 
-<file path=ppt/slides/slide33.xml><?xml version="1.0" encoding="utf-8"?>
+<file path=ppt/slides/slide34.xml><?xml version="1.0" encoding="utf-8"?>
 <p:sld xmlns:a="http://schemas.openxmlformats.org/drawingml/2006/main" xmlns:r="http://schemas.openxmlformats.org/officeDocument/2006/relationships" xmlns:p="http://schemas.openxmlformats.org/presentationml/2006/main">
   <p:cSld>
     <p:spTree>
@@ -20252,7 +20499,7 @@
 </p:sld>
 </file>
 
-<file path=ppt/slides/slide34.xml><?xml version="1.0" encoding="utf-8"?>
+<file path=ppt/slides/slide35.xml><?xml version="1.0" encoding="utf-8"?>
 <p:sld xmlns:a="http://schemas.openxmlformats.org/drawingml/2006/main" xmlns:r="http://schemas.openxmlformats.org/officeDocument/2006/relationships" xmlns:p="http://schemas.openxmlformats.org/presentationml/2006/main">
   <p:cSld>
     <p:spTree>
@@ -21164,7 +21411,7 @@
 </p:sld>
 </file>
 
-<file path=ppt/slides/slide35.xml><?xml version="1.0" encoding="utf-8"?>
+<file path=ppt/slides/slide36.xml><?xml version="1.0" encoding="utf-8"?>
 <p:sld xmlns:a="http://schemas.openxmlformats.org/drawingml/2006/main" xmlns:r="http://schemas.openxmlformats.org/officeDocument/2006/relationships" xmlns:p="http://schemas.openxmlformats.org/presentationml/2006/main">
   <p:cSld>
     <p:spTree>
@@ -21254,7 +21501,7 @@
 </p:sld>
 </file>
 
-<file path=ppt/slides/slide36.xml><?xml version="1.0" encoding="utf-8"?>
+<file path=ppt/slides/slide37.xml><?xml version="1.0" encoding="utf-8"?>
 <p:sld xmlns:a="http://schemas.openxmlformats.org/drawingml/2006/main" xmlns:r="http://schemas.openxmlformats.org/officeDocument/2006/relationships" xmlns:p="http://schemas.openxmlformats.org/presentationml/2006/main">
   <p:cSld>
     <p:spTree>
@@ -22491,7 +22738,7 @@
 </p:sld>
 </file>
 
-<file path=ppt/slides/slide37.xml><?xml version="1.0" encoding="utf-8"?>
+<file path=ppt/slides/slide38.xml><?xml version="1.0" encoding="utf-8"?>
 <p:sld xmlns:a="http://schemas.openxmlformats.org/drawingml/2006/main" xmlns:r="http://schemas.openxmlformats.org/officeDocument/2006/relationships" xmlns:p="http://schemas.openxmlformats.org/presentationml/2006/main">
   <p:cSld>
     <p:spTree>
@@ -29624,7 +29871,7 @@
 </p:sld>
 </file>
 
-<file path=ppt/slides/slide38.xml><?xml version="1.0" encoding="utf-8"?>
+<file path=ppt/slides/slide39.xml><?xml version="1.0" encoding="utf-8"?>
 <p:sld xmlns:a="http://schemas.openxmlformats.org/drawingml/2006/main" xmlns:r="http://schemas.openxmlformats.org/officeDocument/2006/relationships" xmlns:p="http://schemas.openxmlformats.org/presentationml/2006/main">
   <p:cSld>
     <p:spTree>
@@ -29771,7 +30018,93 @@
 </p:sld>
 </file>
 
-<file path=ppt/slides/slide39.xml><?xml version="1.0" encoding="utf-8"?>
+<file path=ppt/slides/slide4.xml><?xml version="1.0" encoding="utf-8"?>
+<p:sld xmlns:a="http://schemas.openxmlformats.org/drawingml/2006/main" xmlns:r="http://schemas.openxmlformats.org/officeDocument/2006/relationships" xmlns:p="http://schemas.openxmlformats.org/presentationml/2006/main">
+  <p:cSld>
+    <p:spTree>
+      <p:nvGrpSpPr>
+        <p:cNvPr id="1" name=""/>
+        <p:cNvGrpSpPr/>
+        <p:nvPr/>
+      </p:nvGrpSpPr>
+      <p:grpSpPr>
+        <a:xfrm>
+          <a:off x="0" y="0"/>
+          <a:ext cx="0" cy="0"/>
+          <a:chOff x="0" y="0"/>
+          <a:chExt cx="0" cy="0"/>
+        </a:xfrm>
+      </p:grpSpPr>
+      <p:sp>
+        <p:nvSpPr>
+          <p:cNvPr id="2" name="Titre 1"/>
+          <p:cNvSpPr>
+            <a:spLocks noGrp="1"/>
+          </p:cNvSpPr>
+          <p:nvPr>
+            <p:ph type="title"/>
+          </p:nvPr>
+        </p:nvSpPr>
+        <p:spPr/>
+        <p:txBody>
+          <a:bodyPr/>
+          <a:lstStyle/>
+          <a:p>
+            <a:r>
+              <a:rPr lang="en-US" dirty="0"/>
+              <a:t>Complex Event </a:t>
+            </a:r>
+            <a:r>
+              <a:rPr lang="en-US" dirty="0" smtClean="0"/>
+              <a:t>Processing: Definition of terms</a:t>
+            </a:r>
+            <a:endParaRPr lang="fr-FR" dirty="0"/>
+          </a:p>
+        </p:txBody>
+      </p:sp>
+      <p:sp>
+        <p:nvSpPr>
+          <p:cNvPr id="3" name="Espace réservé du contenu 2"/>
+          <p:cNvSpPr>
+            <a:spLocks noGrp="1"/>
+          </p:cNvSpPr>
+          <p:nvPr>
+            <p:ph idx="1"/>
+          </p:nvPr>
+        </p:nvSpPr>
+        <p:spPr>
+          <a:xfrm>
+            <a:off x="838200" y="1825625"/>
+            <a:ext cx="5727492" cy="4830008"/>
+          </a:xfrm>
+        </p:spPr>
+        <p:txBody>
+          <a:bodyPr>
+            <a:normAutofit/>
+          </a:bodyPr>
+          <a:lstStyle/>
+          <a:p>
+            <a:r>
+              <a:rPr lang="en-US" dirty="0" smtClean="0"/>
+              <a:t>In organizations, events are generated and handled by business processes</a:t>
+            </a:r>
+          </a:p>
+        </p:txBody>
+      </p:sp>
+    </p:spTree>
+    <p:extLst>
+      <p:ext uri="{BB962C8B-B14F-4D97-AF65-F5344CB8AC3E}">
+        <p14:creationId xmlns:p14="http://schemas.microsoft.com/office/powerpoint/2010/main" val="3009157929"/>
+      </p:ext>
+    </p:extLst>
+  </p:cSld>
+  <p:clrMapOvr>
+    <a:masterClrMapping/>
+  </p:clrMapOvr>
+</p:sld>
+</file>
+
+<file path=ppt/slides/slide40.xml><?xml version="1.0" encoding="utf-8"?>
 <p:sld xmlns:a="http://schemas.openxmlformats.org/drawingml/2006/main" xmlns:r="http://schemas.openxmlformats.org/officeDocument/2006/relationships" xmlns:p="http://schemas.openxmlformats.org/presentationml/2006/main">
   <p:cSld>
     <p:spTree>
@@ -31285,102 +31618,7 @@
 </p:sld>
 </file>
 
-<file path=ppt/slides/slide4.xml><?xml version="1.0" encoding="utf-8"?>
-<p:sld xmlns:a="http://schemas.openxmlformats.org/drawingml/2006/main" xmlns:r="http://schemas.openxmlformats.org/officeDocument/2006/relationships" xmlns:p="http://schemas.openxmlformats.org/presentationml/2006/main">
-  <p:cSld>
-    <p:spTree>
-      <p:nvGrpSpPr>
-        <p:cNvPr id="1" name=""/>
-        <p:cNvGrpSpPr/>
-        <p:nvPr/>
-      </p:nvGrpSpPr>
-      <p:grpSpPr>
-        <a:xfrm>
-          <a:off x="0" y="0"/>
-          <a:ext cx="0" cy="0"/>
-          <a:chOff x="0" y="0"/>
-          <a:chExt cx="0" cy="0"/>
-        </a:xfrm>
-      </p:grpSpPr>
-      <p:sp>
-        <p:nvSpPr>
-          <p:cNvPr id="2" name="Title 1">
-            <a:extLst>
-              <a:ext uri="{FF2B5EF4-FFF2-40B4-BE49-F238E27FC236}">
-                <a16:creationId xmlns="" xmlns:a16="http://schemas.microsoft.com/office/drawing/2014/main" id="{19D93388-E796-4A91-A358-87C86AAFC01C}"/>
-              </a:ext>
-            </a:extLst>
-          </p:cNvPr>
-          <p:cNvSpPr>
-            <a:spLocks noGrp="1"/>
-          </p:cNvSpPr>
-          <p:nvPr>
-            <p:ph type="title"/>
-          </p:nvPr>
-        </p:nvSpPr>
-        <p:spPr/>
-        <p:txBody>
-          <a:bodyPr/>
-          <a:lstStyle/>
-          <a:p>
-            <a:r>
-              <a:rPr lang="en-US" dirty="0"/>
-              <a:t>Complex Event Processing</a:t>
-            </a:r>
-          </a:p>
-        </p:txBody>
-      </p:sp>
-      <p:pic>
-        <p:nvPicPr>
-          <p:cNvPr id="5" name="Picture 4">
-            <a:extLst>
-              <a:ext uri="{FF2B5EF4-FFF2-40B4-BE49-F238E27FC236}">
-                <a16:creationId xmlns="" xmlns:a16="http://schemas.microsoft.com/office/drawing/2014/main" id="{3396AE7B-1149-4555-A0BD-F1816C507A48}"/>
-              </a:ext>
-            </a:extLst>
-          </p:cNvPr>
-          <p:cNvPicPr>
-            <a:picLocks noChangeAspect="1"/>
-          </p:cNvPicPr>
-          <p:nvPr/>
-        </p:nvPicPr>
-        <p:blipFill>
-          <a:blip r:embed="rId2"/>
-          <a:stretch>
-            <a:fillRect/>
-          </a:stretch>
-        </p:blipFill>
-        <p:spPr>
-          <a:xfrm>
-            <a:off x="1057013" y="1781708"/>
-            <a:ext cx="9890882" cy="4453278"/>
-          </a:xfrm>
-          <a:prstGeom prst="rect">
-            <a:avLst/>
-          </a:prstGeom>
-        </p:spPr>
-      </p:pic>
-    </p:spTree>
-    <p:extLst>
-      <p:ext uri="{BB962C8B-B14F-4D97-AF65-F5344CB8AC3E}">
-        <p14:creationId xmlns:p14="http://schemas.microsoft.com/office/powerpoint/2010/main" val="975778470"/>
-      </p:ext>
-    </p:extLst>
-  </p:cSld>
-  <p:clrMapOvr>
-    <a:masterClrMapping/>
-  </p:clrMapOvr>
-  <p:timing>
-    <p:tnLst>
-      <p:par>
-        <p:cTn id="1" dur="indefinite" restart="never" nodeType="tmRoot"/>
-      </p:par>
-    </p:tnLst>
-  </p:timing>
-</p:sld>
-</file>
-
-<file path=ppt/slides/slide40.xml><?xml version="1.0" encoding="utf-8"?>
+<file path=ppt/slides/slide41.xml><?xml version="1.0" encoding="utf-8"?>
 <p:sld xmlns:a="http://schemas.openxmlformats.org/drawingml/2006/main" xmlns:r="http://schemas.openxmlformats.org/officeDocument/2006/relationships" xmlns:p="http://schemas.openxmlformats.org/presentationml/2006/main">
   <p:cSld>
     <p:spTree>
@@ -32730,7 +32968,7 @@
 </p:sld>
 </file>
 
-<file path=ppt/slides/slide41.xml><?xml version="1.0" encoding="utf-8"?>
+<file path=ppt/slides/slide42.xml><?xml version="1.0" encoding="utf-8"?>
 <p:sld xmlns:a="http://schemas.openxmlformats.org/drawingml/2006/main" xmlns:r="http://schemas.openxmlformats.org/officeDocument/2006/relationships" xmlns:p="http://schemas.openxmlformats.org/presentationml/2006/main">
   <p:cSld>
     <p:spTree>
@@ -34220,7 +34458,7 @@
 </p:sld>
 </file>
 
-<file path=ppt/slides/slide42.xml><?xml version="1.0" encoding="utf-8"?>
+<file path=ppt/slides/slide43.xml><?xml version="1.0" encoding="utf-8"?>
 <p:sld xmlns:a="http://schemas.openxmlformats.org/drawingml/2006/main" xmlns:r="http://schemas.openxmlformats.org/officeDocument/2006/relationships" xmlns:p="http://schemas.openxmlformats.org/presentationml/2006/main">
   <p:cSld>
     <p:spTree>
@@ -35808,7 +36046,7 @@
 </p:sld>
 </file>
 
-<file path=ppt/slides/slide43.xml><?xml version="1.0" encoding="utf-8"?>
+<file path=ppt/slides/slide44.xml><?xml version="1.0" encoding="utf-8"?>
 <p:sld xmlns:a="http://schemas.openxmlformats.org/drawingml/2006/main" xmlns:r="http://schemas.openxmlformats.org/officeDocument/2006/relationships" xmlns:p="http://schemas.openxmlformats.org/presentationml/2006/main">
   <p:cSld>
     <p:spTree>
@@ -37426,7 +37664,7 @@
 </p:sld>
 </file>
 
-<file path=ppt/slides/slide44.xml><?xml version="1.0" encoding="utf-8"?>
+<file path=ppt/slides/slide45.xml><?xml version="1.0" encoding="utf-8"?>
 <p:sld xmlns:a="http://schemas.openxmlformats.org/drawingml/2006/main" xmlns:r="http://schemas.openxmlformats.org/officeDocument/2006/relationships" xmlns:p="http://schemas.openxmlformats.org/presentationml/2006/main">
   <p:cSld>
     <p:spTree>
@@ -38925,7 +39163,7 @@
 </p:sld>
 </file>
 
-<file path=ppt/slides/slide45.xml><?xml version="1.0" encoding="utf-8"?>
+<file path=ppt/slides/slide46.xml><?xml version="1.0" encoding="utf-8"?>
 <p:sld xmlns:a="http://schemas.openxmlformats.org/drawingml/2006/main" xmlns:r="http://schemas.openxmlformats.org/officeDocument/2006/relationships" xmlns:p="http://schemas.openxmlformats.org/presentationml/2006/main">
   <p:cSld>
     <p:spTree>
@@ -40250,7 +40488,7 @@
 </p:sld>
 </file>
 
-<file path=ppt/slides/slide46.xml><?xml version="1.0" encoding="utf-8"?>
+<file path=ppt/slides/slide47.xml><?xml version="1.0" encoding="utf-8"?>
 <p:sld xmlns:a="http://schemas.openxmlformats.org/drawingml/2006/main" xmlns:r="http://schemas.openxmlformats.org/officeDocument/2006/relationships" xmlns:p="http://schemas.openxmlformats.org/presentationml/2006/main">
   <p:cSld>
     <p:spTree>
@@ -40299,13 +40537,7 @@
       </p:grpSpPr>
       <p:sp>
         <p:nvSpPr>
-          <p:cNvPr id="2" name="Title 1">
-            <a:extLst>
-              <a:ext uri="{FF2B5EF4-FFF2-40B4-BE49-F238E27FC236}">
-                <a16:creationId xmlns="" xmlns:a16="http://schemas.microsoft.com/office/drawing/2014/main" id="{85790DF3-D254-4630-854D-5DDB5B592370}"/>
-              </a:ext>
-            </a:extLst>
-          </p:cNvPr>
+          <p:cNvPr id="2" name="Titre 1"/>
           <p:cNvSpPr>
             <a:spLocks noGrp="1"/>
           </p:cNvSpPr>
@@ -40320,35 +40552,88 @@
           <a:p>
             <a:r>
               <a:rPr lang="en-US" dirty="0"/>
-              <a:t>Conceptual Description</a:t>
-            </a:r>
+              <a:t>Complex Event </a:t>
+            </a:r>
+            <a:r>
+              <a:rPr lang="en-US" dirty="0" smtClean="0"/>
+              <a:t>Processing: Definition of terms</a:t>
+            </a:r>
+            <a:endParaRPr lang="fr-FR" dirty="0"/>
+          </a:p>
+        </p:txBody>
+      </p:sp>
+      <p:sp>
+        <p:nvSpPr>
+          <p:cNvPr id="3" name="Espace réservé du contenu 2"/>
+          <p:cNvSpPr>
+            <a:spLocks noGrp="1"/>
+          </p:cNvSpPr>
+          <p:nvPr>
+            <p:ph idx="1"/>
+          </p:nvPr>
+        </p:nvSpPr>
+        <p:spPr>
+          <a:xfrm>
+            <a:off x="838200" y="1825625"/>
+            <a:ext cx="5727492" cy="4830008"/>
+          </a:xfrm>
+        </p:spPr>
+        <p:txBody>
+          <a:bodyPr>
+            <a:normAutofit/>
+          </a:bodyPr>
+          <a:lstStyle/>
+          <a:p>
+            <a:r>
+              <a:rPr lang="en-US" dirty="0" smtClean="0"/>
+              <a:t>In organizations, events are generated and handled by business processes</a:t>
+            </a:r>
+          </a:p>
+          <a:p>
+            <a:pPr marL="0" indent="0">
+              <a:buNone/>
+            </a:pPr>
+            <a:endParaRPr lang="en-US" dirty="0" smtClean="0"/>
+          </a:p>
+          <a:p>
+            <a:pPr marL="0" indent="0">
+              <a:buNone/>
+            </a:pPr>
+            <a:endParaRPr lang="en-US" dirty="0" smtClean="0"/>
+          </a:p>
+          <a:p>
+            <a:r>
+              <a:rPr lang="en-US" dirty="0" smtClean="0"/>
+              <a:t>Languages to model business processes, such as BPMN, capture different types of events that could be of interest in business processes</a:t>
+            </a:r>
+            <a:endParaRPr lang="en-US" dirty="0"/>
           </a:p>
         </p:txBody>
       </p:sp>
       <p:pic>
         <p:nvPicPr>
-          <p:cNvPr id="5" name="Picture 4">
-            <a:extLst>
-              <a:ext uri="{FF2B5EF4-FFF2-40B4-BE49-F238E27FC236}">
-                <a16:creationId xmlns="" xmlns:a16="http://schemas.microsoft.com/office/drawing/2014/main" id="{AC0B2C9E-8DFF-4422-A08B-2CBBE87EEFB0}"/>
-              </a:ext>
-            </a:extLst>
-          </p:cNvPr>
+          <p:cNvPr id="5" name="Image 4"/>
           <p:cNvPicPr>
             <a:picLocks noChangeAspect="1"/>
           </p:cNvPicPr>
           <p:nvPr/>
         </p:nvPicPr>
         <p:blipFill>
-          <a:blip r:embed="rId2"/>
+          <a:blip r:embed="rId2">
+            <a:extLst>
+              <a:ext uri="{28A0092B-C50C-407E-A947-70E740481C1C}">
+                <a14:useLocalDpi xmlns:a14="http://schemas.microsoft.com/office/drawing/2010/main" val="0"/>
+              </a:ext>
+            </a:extLst>
+          </a:blip>
           <a:stretch>
             <a:fillRect/>
           </a:stretch>
         </p:blipFill>
         <p:spPr>
           <a:xfrm>
-            <a:off x="1048622" y="1690688"/>
-            <a:ext cx="9792749" cy="4330385"/>
+            <a:off x="6754052" y="1438280"/>
+            <a:ext cx="4599748" cy="5312708"/>
           </a:xfrm>
           <a:prstGeom prst="rect">
             <a:avLst/>
@@ -40358,20 +40643,13 @@
     </p:spTree>
     <p:extLst>
       <p:ext uri="{BB962C8B-B14F-4D97-AF65-F5344CB8AC3E}">
-        <p14:creationId xmlns:p14="http://schemas.microsoft.com/office/powerpoint/2010/main" val="3740497664"/>
+        <p14:creationId xmlns:p14="http://schemas.microsoft.com/office/powerpoint/2010/main" val="1990740099"/>
       </p:ext>
     </p:extLst>
   </p:cSld>
   <p:clrMapOvr>
     <a:masterClrMapping/>
   </p:clrMapOvr>
-  <p:timing>
-    <p:tnLst>
-      <p:par>
-        <p:cTn id="1" dur="indefinite" restart="never" nodeType="tmRoot"/>
-      </p:par>
-    </p:tnLst>
-  </p:timing>
 </p:sld>
 </file>
 
@@ -40397,7 +40675,7 @@
           <p:cNvPr id="2" name="Title 1">
             <a:extLst>
               <a:ext uri="{FF2B5EF4-FFF2-40B4-BE49-F238E27FC236}">
-                <a16:creationId xmlns="" xmlns:a16="http://schemas.microsoft.com/office/drawing/2014/main" id="{BCEA177B-2033-4880-A4D7-585EE1CE7354}"/>
+                <a16:creationId xmlns="" xmlns:a16="http://schemas.microsoft.com/office/drawing/2014/main" id="{85790DF3-D254-4630-854D-5DDB5B592370}"/>
               </a:ext>
             </a:extLst>
           </p:cNvPr>
@@ -40415,45 +40693,252 @@
           <a:p>
             <a:r>
               <a:rPr lang="en-US" dirty="0"/>
-              <a:t>Event Models</a:t>
-            </a:r>
+              <a:t>Complex Event Processing: Definition of terms</a:t>
+            </a:r>
+            <a:endParaRPr lang="en-US" dirty="0"/>
           </a:p>
         </p:txBody>
       </p:sp>
       <p:pic>
         <p:nvPicPr>
-          <p:cNvPr id="5" name="Picture 4">
-            <a:extLst>
-              <a:ext uri="{FF2B5EF4-FFF2-40B4-BE49-F238E27FC236}">
-                <a16:creationId xmlns="" xmlns:a16="http://schemas.microsoft.com/office/drawing/2014/main" id="{DB395241-241E-4F2D-96C8-7598FDC7DFA4}"/>
-              </a:ext>
-            </a:extLst>
-          </p:cNvPr>
+          <p:cNvPr id="4" name="Image 3"/>
           <p:cNvPicPr>
             <a:picLocks noChangeAspect="1"/>
           </p:cNvPicPr>
           <p:nvPr/>
         </p:nvPicPr>
         <p:blipFill>
-          <a:blip r:embed="rId2"/>
+          <a:blip r:embed="rId2">
+            <a:extLst>
+              <a:ext uri="{28A0092B-C50C-407E-A947-70E740481C1C}">
+                <a14:useLocalDpi xmlns:a14="http://schemas.microsoft.com/office/drawing/2010/main" val="0"/>
+              </a:ext>
+            </a:extLst>
+          </a:blip>
           <a:stretch>
             <a:fillRect/>
           </a:stretch>
         </p:blipFill>
         <p:spPr>
           <a:xfrm>
-            <a:off x="1728132" y="1690688"/>
-            <a:ext cx="9163574" cy="4918224"/>
+            <a:off x="4930515" y="2110414"/>
+            <a:ext cx="1022844" cy="1022844"/>
           </a:xfrm>
           <a:prstGeom prst="rect">
             <a:avLst/>
           </a:prstGeom>
         </p:spPr>
       </p:pic>
+      <p:pic>
+        <p:nvPicPr>
+          <p:cNvPr id="7" name="Image 6"/>
+          <p:cNvPicPr>
+            <a:picLocks noChangeAspect="1"/>
+          </p:cNvPicPr>
+          <p:nvPr/>
+        </p:nvPicPr>
+        <p:blipFill>
+          <a:blip r:embed="rId3"/>
+          <a:stretch>
+            <a:fillRect/>
+          </a:stretch>
+        </p:blipFill>
+        <p:spPr>
+          <a:xfrm>
+            <a:off x="2353221" y="2321798"/>
+            <a:ext cx="1819275" cy="600075"/>
+          </a:xfrm>
+          <a:prstGeom prst="rect">
+            <a:avLst/>
+          </a:prstGeom>
+        </p:spPr>
+      </p:pic>
+      <p:pic>
+        <p:nvPicPr>
+          <p:cNvPr id="8" name="Image 7"/>
+          <p:cNvPicPr>
+            <a:picLocks noChangeAspect="1"/>
+          </p:cNvPicPr>
+          <p:nvPr/>
+        </p:nvPicPr>
+        <p:blipFill>
+          <a:blip r:embed="rId4"/>
+          <a:stretch>
+            <a:fillRect/>
+          </a:stretch>
+        </p:blipFill>
+        <p:spPr>
+          <a:xfrm>
+            <a:off x="6905547" y="2190868"/>
+            <a:ext cx="879891" cy="861934"/>
+          </a:xfrm>
+          <a:prstGeom prst="rect">
+            <a:avLst/>
+          </a:prstGeom>
+        </p:spPr>
+      </p:pic>
+      <p:sp>
+        <p:nvSpPr>
+          <p:cNvPr id="9" name="ZoneTexte 8"/>
+          <p:cNvSpPr txBox="1"/>
+          <p:nvPr/>
+        </p:nvSpPr>
+        <p:spPr>
+          <a:xfrm>
+            <a:off x="2353221" y="3133258"/>
+            <a:ext cx="1625106" cy="923330"/>
+          </a:xfrm>
+          <a:prstGeom prst="rect">
+            <a:avLst/>
+          </a:prstGeom>
+          <a:noFill/>
+        </p:spPr>
+        <p:txBody>
+          <a:bodyPr wrap="square" rtlCol="0">
+            <a:spAutoFit/>
+          </a:bodyPr>
+          <a:lstStyle/>
+          <a:p>
+            <a:r>
+              <a:rPr lang="en-US" dirty="0" smtClean="0"/>
+              <a:t>Event 1: professors appear in suit</a:t>
+            </a:r>
+            <a:endParaRPr lang="en-US" dirty="0"/>
+          </a:p>
+        </p:txBody>
+      </p:sp>
+      <p:sp>
+        <p:nvSpPr>
+          <p:cNvPr id="10" name="ZoneTexte 9"/>
+          <p:cNvSpPr txBox="1"/>
+          <p:nvPr/>
+        </p:nvSpPr>
+        <p:spPr>
+          <a:xfrm>
+            <a:off x="4784125" y="3133258"/>
+            <a:ext cx="1625106" cy="923330"/>
+          </a:xfrm>
+          <a:prstGeom prst="rect">
+            <a:avLst/>
+          </a:prstGeom>
+          <a:noFill/>
+        </p:spPr>
+        <p:txBody>
+          <a:bodyPr wrap="square" rtlCol="0">
+            <a:spAutoFit/>
+          </a:bodyPr>
+          <a:lstStyle/>
+          <a:p>
+            <a:r>
+              <a:rPr lang="en-US" dirty="0" smtClean="0"/>
+              <a:t>Event 2: A student appears in suit</a:t>
+            </a:r>
+            <a:endParaRPr lang="en-US" dirty="0"/>
+          </a:p>
+        </p:txBody>
+      </p:sp>
+      <p:sp>
+        <p:nvSpPr>
+          <p:cNvPr id="11" name="ZoneTexte 10"/>
+          <p:cNvSpPr txBox="1"/>
+          <p:nvPr/>
+        </p:nvSpPr>
+        <p:spPr>
+          <a:xfrm>
+            <a:off x="6711378" y="3178542"/>
+            <a:ext cx="1625106" cy="369332"/>
+          </a:xfrm>
+          <a:prstGeom prst="rect">
+            <a:avLst/>
+          </a:prstGeom>
+          <a:noFill/>
+        </p:spPr>
+        <p:txBody>
+          <a:bodyPr wrap="square" rtlCol="0">
+            <a:spAutoFit/>
+          </a:bodyPr>
+          <a:lstStyle/>
+          <a:p>
+            <a:r>
+              <a:rPr lang="en-US" dirty="0" smtClean="0"/>
+              <a:t>Event 3: laughs</a:t>
+            </a:r>
+            <a:endParaRPr lang="en-US" dirty="0"/>
+          </a:p>
+        </p:txBody>
+      </p:sp>
+      <p:sp>
+        <p:nvSpPr>
+          <p:cNvPr id="12" name="Accolade fermante 11"/>
+          <p:cNvSpPr/>
+          <p:nvPr/>
+        </p:nvSpPr>
+        <p:spPr>
+          <a:xfrm rot="5400000">
+            <a:off x="5148528" y="1591037"/>
+            <a:ext cx="371296" cy="6270538"/>
+          </a:xfrm>
+          <a:prstGeom prst="rightBrace">
+            <a:avLst/>
+          </a:prstGeom>
+        </p:spPr>
+        <p:style>
+          <a:lnRef idx="1">
+            <a:schemeClr val="accent1"/>
+          </a:lnRef>
+          <a:fillRef idx="0">
+            <a:schemeClr val="accent1"/>
+          </a:fillRef>
+          <a:effectRef idx="0">
+            <a:schemeClr val="accent1"/>
+          </a:effectRef>
+          <a:fontRef idx="minor">
+            <a:schemeClr val="tx1"/>
+          </a:fontRef>
+        </p:style>
+        <p:txBody>
+          <a:bodyPr rtlCol="0" anchor="ctr"/>
+          <a:lstStyle/>
+          <a:p>
+            <a:pPr algn="ctr"/>
+            <a:endParaRPr lang="fr-FR"/>
+          </a:p>
+        </p:txBody>
+      </p:sp>
+      <p:sp>
+        <p:nvSpPr>
+          <p:cNvPr id="13" name="ZoneTexte 12"/>
+          <p:cNvSpPr txBox="1"/>
+          <p:nvPr/>
+        </p:nvSpPr>
+        <p:spPr>
+          <a:xfrm>
+            <a:off x="4076699" y="5365190"/>
+            <a:ext cx="2540760" cy="369332"/>
+          </a:xfrm>
+          <a:prstGeom prst="rect">
+            <a:avLst/>
+          </a:prstGeom>
+          <a:noFill/>
+        </p:spPr>
+        <p:txBody>
+          <a:bodyPr wrap="none" rtlCol="0">
+            <a:spAutoFit/>
+          </a:bodyPr>
+          <a:lstStyle/>
+          <a:p>
+            <a:r>
+              <a:rPr lang="en-US" dirty="0" smtClean="0"/>
+              <a:t>Successful thesis defense</a:t>
+            </a:r>
+            <a:endParaRPr lang="en-US" dirty="0"/>
+          </a:p>
+        </p:txBody>
+      </p:sp>
     </p:spTree>
     <p:extLst>
       <p:ext uri="{BB962C8B-B14F-4D97-AF65-F5344CB8AC3E}">
-        <p14:creationId xmlns:p14="http://schemas.microsoft.com/office/powerpoint/2010/main" val="902929553"/>
+        <p14:creationId xmlns:p14="http://schemas.microsoft.com/office/powerpoint/2010/main" val="4210536155"/>
       </p:ext>
     </p:extLst>
   </p:cSld>
@@ -40492,7 +40977,7 @@
           <p:cNvPr id="2" name="Title 1">
             <a:extLst>
               <a:ext uri="{FF2B5EF4-FFF2-40B4-BE49-F238E27FC236}">
-                <a16:creationId xmlns="" xmlns:a16="http://schemas.microsoft.com/office/drawing/2014/main" id="{C8D2693A-5390-4217-B932-70A60657B8F2}"/>
+                <a16:creationId xmlns="" xmlns:a16="http://schemas.microsoft.com/office/drawing/2014/main" id="{BCEA177B-2033-4880-A4D7-585EE1CE7354}"/>
               </a:ext>
             </a:extLst>
           </p:cNvPr>
@@ -40510,8 +40995,9 @@
           <a:p>
             <a:r>
               <a:rPr lang="en-US" dirty="0"/>
-              <a:t>Complex Event Processing Architecture</a:t>
-            </a:r>
+              <a:t>Complex Event Processing: Definition of terms</a:t>
+            </a:r>
+            <a:endParaRPr lang="en-US" dirty="0"/>
           </a:p>
         </p:txBody>
       </p:sp>
@@ -40520,7 +41006,7 @@
           <p:cNvPr id="5" name="Picture 4">
             <a:extLst>
               <a:ext uri="{FF2B5EF4-FFF2-40B4-BE49-F238E27FC236}">
-                <a16:creationId xmlns="" xmlns:a16="http://schemas.microsoft.com/office/drawing/2014/main" id="{116E0736-AA6D-40E5-96DC-4ADE0259C50F}"/>
+                <a16:creationId xmlns="" xmlns:a16="http://schemas.microsoft.com/office/drawing/2014/main" id="{DB395241-241E-4F2D-96C8-7598FDC7DFA4}"/>
               </a:ext>
             </a:extLst>
           </p:cNvPr>
@@ -40537,8 +41023,8 @@
         </p:blipFill>
         <p:spPr>
           <a:xfrm>
-            <a:off x="1666875" y="1581936"/>
-            <a:ext cx="8858250" cy="4667250"/>
+            <a:off x="1728132" y="1690688"/>
+            <a:ext cx="9163574" cy="4918224"/>
           </a:xfrm>
           <a:prstGeom prst="rect">
             <a:avLst/>
@@ -40548,7 +41034,7 @@
     </p:spTree>
     <p:extLst>
       <p:ext uri="{BB962C8B-B14F-4D97-AF65-F5344CB8AC3E}">
-        <p14:creationId xmlns:p14="http://schemas.microsoft.com/office/powerpoint/2010/main" val="3991530036"/>
+        <p14:creationId xmlns:p14="http://schemas.microsoft.com/office/powerpoint/2010/main" val="902929553"/>
       </p:ext>
     </p:extLst>
   </p:cSld>
@@ -40584,6 +41070,114 @@
       </p:grpSpPr>
       <p:sp>
         <p:nvSpPr>
+          <p:cNvPr id="2" name="Title 1">
+            <a:extLst>
+              <a:ext uri="{FF2B5EF4-FFF2-40B4-BE49-F238E27FC236}">
+                <a16:creationId xmlns="" xmlns:a16="http://schemas.microsoft.com/office/drawing/2014/main" id="{C8D2693A-5390-4217-B932-70A60657B8F2}"/>
+              </a:ext>
+            </a:extLst>
+          </p:cNvPr>
+          <p:cNvSpPr>
+            <a:spLocks noGrp="1"/>
+          </p:cNvSpPr>
+          <p:nvPr>
+            <p:ph type="title"/>
+          </p:nvPr>
+        </p:nvSpPr>
+        <p:spPr>
+          <a:xfrm>
+            <a:off x="364761" y="365125"/>
+            <a:ext cx="11462478" cy="1325563"/>
+          </a:xfrm>
+        </p:spPr>
+        <p:txBody>
+          <a:bodyPr/>
+          <a:lstStyle/>
+          <a:p>
+            <a:r>
+              <a:rPr lang="en-US" dirty="0"/>
+              <a:t>Complex Event </a:t>
+            </a:r>
+            <a:r>
+              <a:rPr lang="en-US" dirty="0" smtClean="0"/>
+              <a:t>Processing: Global </a:t>
+            </a:r>
+            <a:r>
+              <a:rPr lang="en-US" dirty="0"/>
+              <a:t>Architecture</a:t>
+            </a:r>
+          </a:p>
+        </p:txBody>
+      </p:sp>
+      <p:pic>
+        <p:nvPicPr>
+          <p:cNvPr id="5" name="Picture 4">
+            <a:extLst>
+              <a:ext uri="{FF2B5EF4-FFF2-40B4-BE49-F238E27FC236}">
+                <a16:creationId xmlns="" xmlns:a16="http://schemas.microsoft.com/office/drawing/2014/main" id="{116E0736-AA6D-40E5-96DC-4ADE0259C50F}"/>
+              </a:ext>
+            </a:extLst>
+          </p:cNvPr>
+          <p:cNvPicPr>
+            <a:picLocks noChangeAspect="1"/>
+          </p:cNvPicPr>
+          <p:nvPr/>
+        </p:nvPicPr>
+        <p:blipFill>
+          <a:blip r:embed="rId2"/>
+          <a:stretch>
+            <a:fillRect/>
+          </a:stretch>
+        </p:blipFill>
+        <p:spPr>
+          <a:xfrm>
+            <a:off x="1666875" y="1581936"/>
+            <a:ext cx="8858250" cy="4667250"/>
+          </a:xfrm>
+          <a:prstGeom prst="rect">
+            <a:avLst/>
+          </a:prstGeom>
+        </p:spPr>
+      </p:pic>
+    </p:spTree>
+    <p:extLst>
+      <p:ext uri="{BB962C8B-B14F-4D97-AF65-F5344CB8AC3E}">
+        <p14:creationId xmlns:p14="http://schemas.microsoft.com/office/powerpoint/2010/main" val="3991530036"/>
+      </p:ext>
+    </p:extLst>
+  </p:cSld>
+  <p:clrMapOvr>
+    <a:masterClrMapping/>
+  </p:clrMapOvr>
+  <p:timing>
+    <p:tnLst>
+      <p:par>
+        <p:cTn id="1" dur="indefinite" restart="never" nodeType="tmRoot"/>
+      </p:par>
+    </p:tnLst>
+  </p:timing>
+</p:sld>
+</file>
+
+<file path=ppt/slides/slide9.xml><?xml version="1.0" encoding="utf-8"?>
+<p:sld xmlns:a="http://schemas.openxmlformats.org/drawingml/2006/main" xmlns:r="http://schemas.openxmlformats.org/officeDocument/2006/relationships" xmlns:p="http://schemas.openxmlformats.org/presentationml/2006/main">
+  <p:cSld>
+    <p:spTree>
+      <p:nvGrpSpPr>
+        <p:cNvPr id="1" name=""/>
+        <p:cNvGrpSpPr/>
+        <p:nvPr/>
+      </p:nvGrpSpPr>
+      <p:grpSpPr>
+        <a:xfrm>
+          <a:off x="0" y="0"/>
+          <a:ext cx="0" cy="0"/>
+          <a:chOff x="0" y="0"/>
+          <a:chExt cx="0" cy="0"/>
+        </a:xfrm>
+      </p:grpSpPr>
+      <p:sp>
+        <p:nvSpPr>
           <p:cNvPr id="2" name="Titre 1"/>
           <p:cNvSpPr>
             <a:spLocks noGrp="1"/>
@@ -40592,11 +41186,17 @@
             <p:ph type="title"/>
           </p:nvPr>
         </p:nvSpPr>
-        <p:spPr/>
+        <p:spPr>
+          <a:xfrm>
+            <a:off x="0" y="30480"/>
+            <a:ext cx="12431842" cy="1325563"/>
+          </a:xfrm>
+        </p:spPr>
         <p:txBody>
           <a:bodyPr/>
           <a:lstStyle/>
           <a:p>
+            <a:pPr algn="ctr"/>
             <a:r>
               <a:rPr lang="en-US" dirty="0" smtClean="0"/>
               <a:t>Complex event processing </a:t>
@@ -40607,7 +41207,15 @@
             </a:r>
             <a:r>
               <a:rPr lang="en-US" dirty="0" smtClean="0"/>
-              <a:t> stream processing</a:t>
+              <a:t> </a:t>
+            </a:r>
+            <a:r>
+              <a:rPr lang="en-US" dirty="0" smtClean="0"/>
+              <a:t>Stream </a:t>
+            </a:r>
+            <a:r>
+              <a:rPr lang="en-US" dirty="0" smtClean="0"/>
+              <a:t>processing</a:t>
             </a:r>
             <a:endParaRPr lang="en-US" dirty="0"/>
           </a:p>
@@ -40622,14 +41230,14 @@
           <p:nvPr>
             <p:extLst>
               <p:ext uri="{D42A27DB-BD31-4B8C-83A1-F6EECF244321}">
-                <p14:modId xmlns:p14="http://schemas.microsoft.com/office/powerpoint/2010/main" val="2636030511"/>
+                <p14:modId xmlns:p14="http://schemas.microsoft.com/office/powerpoint/2010/main" val="2874309248"/>
               </p:ext>
             </p:extLst>
           </p:nvPr>
         </p:nvGraphicFramePr>
         <p:xfrm>
-          <a:off x="150899" y="894080"/>
-          <a:ext cx="11479470" cy="6502400"/>
+          <a:off x="333779" y="1742440"/>
+          <a:ext cx="11479470" cy="4866640"/>
         </p:xfrm>
         <a:graphic>
           <a:graphicData uri="http://schemas.openxmlformats.org/drawingml/2006/table">
@@ -40638,9 +41246,9 @@
                 <a:tableStyleId>{5C22544A-7EE6-4342-B048-85BDC9FD1C3A}</a:tableStyleId>
               </a:tblPr>
               <a:tblGrid>
-                <a:gridCol w="4136288"/>
-                <a:gridCol w="5291528"/>
-                <a:gridCol w="2051654"/>
+                <a:gridCol w="3156181"/>
+                <a:gridCol w="4892040"/>
+                <a:gridCol w="3431249"/>
               </a:tblGrid>
               <a:tr h="370840">
                 <a:tc>
@@ -40755,10 +41363,10 @@
                     <a:lstStyle/>
                     <a:p>
                       <a:r>
-                        <a:rPr lang="en-US" noProof="0" dirty="0" err="1" smtClean="0"/>
+                        <a:rPr lang="en-US" b="1" noProof="0" dirty="0" err="1" smtClean="0"/>
                         <a:t>Esper</a:t>
                       </a:r>
-                      <a:endParaRPr lang="en-US" noProof="0" dirty="0"/>
+                      <a:endParaRPr lang="en-US" b="1" noProof="0" dirty="0"/>
                     </a:p>
                   </a:txBody>
                   <a:tcPr/>
@@ -40769,14 +41377,18 @@
                     <a:lstStyle/>
                     <a:p>
                       <a:r>
-                        <a:rPr lang="en-US" noProof="0" dirty="0" smtClean="0"/>
-                        <a:t>Spark, </a:t>
+                        <a:rPr lang="en-US" b="1" noProof="0" dirty="0" smtClean="0"/>
+                        <a:t>Spark</a:t>
                       </a:r>
                       <a:r>
-                        <a:rPr lang="en-US" noProof="0" dirty="0" err="1" smtClean="0"/>
+                        <a:rPr lang="en-US" noProof="0" dirty="0" smtClean="0"/>
+                        <a:t>, </a:t>
+                      </a:r>
+                      <a:r>
+                        <a:rPr lang="en-US" b="1" noProof="0" dirty="0" err="1" smtClean="0"/>
                         <a:t>Flink</a:t>
                       </a:r>
-                      <a:endParaRPr lang="en-US" noProof="0" dirty="0"/>
+                      <a:endParaRPr lang="en-US" b="1" noProof="0" dirty="0"/>
                     </a:p>
                   </a:txBody>
                   <a:tcPr/>
@@ -40842,7 +41454,11 @@
                     <a:p>
                       <a:r>
                         <a:rPr lang="en-US" noProof="0" dirty="0" smtClean="0"/>
-                        <a:t>Pattern matching and detection, filtering, transformation, aggregation, event hierarchies, detecting relationships (such as causality, membership or timing) between events, managing event lifecycle</a:t>
+                        <a:t>Pattern matching and detection, filtering, transformation, aggregation, event hierarchies, </a:t>
+                      </a:r>
+                      <a:r>
+                        <a:rPr lang="en-US" noProof="0" dirty="0" smtClean="0"/>
+                        <a:t>detecting</a:t>
                       </a:r>
                       <a:endParaRPr lang="en-US" noProof="0" dirty="0"/>
                     </a:p>
@@ -40933,28 +41549,8 @@
                     <a:lstStyle/>
                     <a:p>
                       <a:r>
-                        <a:rPr lang="fr-FR" dirty="0" err="1" smtClean="0"/>
-                        <a:t>Continuous</a:t>
-                      </a:r>
-                      <a:r>
-                        <a:rPr lang="fr-FR" dirty="0" smtClean="0"/>
-                        <a:t> </a:t>
-                      </a:r>
-                      <a:r>
-                        <a:rPr lang="fr-FR" dirty="0" err="1" smtClean="0"/>
-                        <a:t>Queries</a:t>
-                      </a:r>
-                      <a:r>
-                        <a:rPr lang="fr-FR" dirty="0" smtClean="0"/>
-                        <a:t> (</a:t>
-                      </a:r>
-                      <a:r>
-                        <a:rPr lang="fr-FR" dirty="0" err="1" smtClean="0"/>
-                        <a:t>Statements</a:t>
-                      </a:r>
-                      <a:r>
-                        <a:rPr lang="fr-FR" dirty="0" smtClean="0"/>
-                        <a:t>)</a:t>
+                        <a:rPr lang="en-US" noProof="0" dirty="0" smtClean="0"/>
+                        <a:t>Continuous Queries (Statements)</a:t>
                       </a:r>
                       <a:endParaRPr lang="en-US" noProof="0" dirty="0"/>
                     </a:p>
@@ -40968,7 +41564,15 @@
                     <a:p>
                       <a:r>
                         <a:rPr lang="en-US" dirty="0" smtClean="0"/>
-                        <a:t>Express stream analysis in event processing language (EPL); Compile using the compiler; Deploy into a runtime; (all at runtime); no need to restart the server or container</a:t>
+                        <a:t>Express stream analysis in event processing language (</a:t>
+                      </a:r>
+                      <a:r>
+                        <a:rPr lang="en-US" dirty="0" smtClean="0"/>
+                        <a:t>EPL)no </a:t>
+                      </a:r>
+                      <a:r>
+                        <a:rPr lang="en-US" dirty="0" smtClean="0"/>
+                        <a:t>need to restart the server or container</a:t>
                       </a:r>
                       <a:endParaRPr lang="en-US" noProof="0" dirty="0"/>
                     </a:p>
@@ -40981,28 +41585,8 @@
                     <a:lstStyle/>
                     <a:p>
                       <a:r>
-                        <a:rPr lang="fr-FR" dirty="0" smtClean="0"/>
-                        <a:t>Code </a:t>
-                      </a:r>
-                      <a:r>
-                        <a:rPr lang="fr-FR" dirty="0" err="1" smtClean="0"/>
-                        <a:t>your</a:t>
-                      </a:r>
-                      <a:r>
-                        <a:rPr lang="fr-FR" dirty="0" smtClean="0"/>
-                        <a:t> </a:t>
-                      </a:r>
-                      <a:r>
-                        <a:rPr lang="fr-FR" dirty="0" err="1" smtClean="0"/>
-                        <a:t>own</a:t>
-                      </a:r>
-                      <a:r>
-                        <a:rPr lang="fr-FR" dirty="0" smtClean="0"/>
-                        <a:t> </a:t>
-                      </a:r>
-                      <a:r>
-                        <a:rPr lang="fr-FR" dirty="0" err="1" smtClean="0"/>
-                        <a:t>operators</a:t>
+                        <a:rPr lang="en-US" noProof="0" dirty="0" smtClean="0"/>
+                        <a:t>Code your own operators</a:t>
                       </a:r>
                       <a:endParaRPr lang="en-US" noProof="0" dirty="0"/>
                     </a:p>
@@ -41045,12 +41629,8 @@
                     <a:lstStyle/>
                     <a:p>
                       <a:r>
-                        <a:rPr lang="fr-FR" dirty="0" err="1" smtClean="0"/>
-                        <a:t>Extract-Transform-Load</a:t>
-                      </a:r>
-                      <a:r>
-                        <a:rPr lang="fr-FR" dirty="0" smtClean="0"/>
-                        <a:t> (ETL)</a:t>
+                        <a:rPr lang="en-US" noProof="0" dirty="0" smtClean="0"/>
+                        <a:t>Extract-Transform-Load (ETL)</a:t>
                       </a:r>
                       <a:endParaRPr lang="en-US" noProof="0" dirty="0"/>
                     </a:p>
@@ -41066,136 +41646,6 @@
     <p:extLst>
       <p:ext uri="{BB962C8B-B14F-4D97-AF65-F5344CB8AC3E}">
         <p14:creationId xmlns:p14="http://schemas.microsoft.com/office/powerpoint/2010/main" val="3554175345"/>
-      </p:ext>
-    </p:extLst>
-  </p:cSld>
-  <p:clrMapOvr>
-    <a:masterClrMapping/>
-  </p:clrMapOvr>
-  <p:timing>
-    <p:tnLst>
-      <p:par>
-        <p:cTn id="1" dur="indefinite" restart="never" nodeType="tmRoot"/>
-      </p:par>
-    </p:tnLst>
-  </p:timing>
-</p:sld>
-</file>
-
-<file path=ppt/slides/slide9.xml><?xml version="1.0" encoding="utf-8"?>
-<p:sld xmlns:a="http://schemas.openxmlformats.org/drawingml/2006/main" xmlns:r="http://schemas.openxmlformats.org/officeDocument/2006/relationships" xmlns:p="http://schemas.openxmlformats.org/presentationml/2006/main">
-  <p:cSld>
-    <p:spTree>
-      <p:nvGrpSpPr>
-        <p:cNvPr id="1" name=""/>
-        <p:cNvGrpSpPr/>
-        <p:nvPr/>
-      </p:nvGrpSpPr>
-      <p:grpSpPr>
-        <a:xfrm>
-          <a:off x="0" y="0"/>
-          <a:ext cx="0" cy="0"/>
-          <a:chOff x="0" y="0"/>
-          <a:chExt cx="0" cy="0"/>
-        </a:xfrm>
-      </p:grpSpPr>
-      <p:sp>
-        <p:nvSpPr>
-          <p:cNvPr id="2" name="Titre 1"/>
-          <p:cNvSpPr>
-            <a:spLocks noGrp="1"/>
-          </p:cNvSpPr>
-          <p:nvPr>
-            <p:ph type="title"/>
-          </p:nvPr>
-        </p:nvSpPr>
-        <p:spPr/>
-        <p:txBody>
-          <a:bodyPr/>
-          <a:lstStyle/>
-          <a:p>
-            <a:r>
-              <a:rPr lang="en-US" dirty="0" smtClean="0"/>
-              <a:t>Event processing language (EPL)</a:t>
-            </a:r>
-            <a:endParaRPr lang="en-US" dirty="0"/>
-          </a:p>
-        </p:txBody>
-      </p:sp>
-      <p:sp>
-        <p:nvSpPr>
-          <p:cNvPr id="3" name="Espace réservé du contenu 2"/>
-          <p:cNvSpPr>
-            <a:spLocks noGrp="1"/>
-          </p:cNvSpPr>
-          <p:nvPr>
-            <p:ph idx="1"/>
-          </p:nvPr>
-        </p:nvSpPr>
-        <p:spPr/>
-        <p:txBody>
-          <a:bodyPr/>
-          <a:lstStyle/>
-          <a:p>
-            <a:r>
-              <a:rPr lang="en-US" dirty="0"/>
-              <a:t>The </a:t>
-            </a:r>
-            <a:r>
-              <a:rPr lang="en-US" dirty="0" err="1"/>
-              <a:t>Esper</a:t>
-            </a:r>
-            <a:r>
-              <a:rPr lang="en-US" dirty="0"/>
-              <a:t> event processing language (EPL) converges event stream processing (filtering, joins, aggregation) and complex event processing (causality) into one single </a:t>
-            </a:r>
-            <a:r>
-              <a:rPr lang="en-US" dirty="0" smtClean="0"/>
-              <a:t>language</a:t>
-            </a:r>
-          </a:p>
-          <a:p>
-            <a:pPr marL="0" indent="0">
-              <a:buNone/>
-            </a:pPr>
-            <a:endParaRPr lang="en-US" dirty="0" smtClean="0"/>
-          </a:p>
-          <a:p>
-            <a:r>
-              <a:rPr lang="en-US" dirty="0" smtClean="0"/>
-              <a:t>The </a:t>
-            </a:r>
-            <a:r>
-              <a:rPr lang="en-US" dirty="0"/>
-              <a:t>core language is SQL conforming ensuring rapid </a:t>
-            </a:r>
-            <a:r>
-              <a:rPr lang="en-US" dirty="0" smtClean="0"/>
-              <a:t>learning</a:t>
-            </a:r>
-          </a:p>
-          <a:p>
-            <a:pPr marL="0" indent="0">
-              <a:buNone/>
-            </a:pPr>
-            <a:endParaRPr lang="en-US" dirty="0" smtClean="0"/>
-          </a:p>
-          <a:p>
-            <a:r>
-              <a:rPr lang="en-US" dirty="0" smtClean="0"/>
-              <a:t>The </a:t>
-            </a:r>
-            <a:r>
-              <a:rPr lang="en-US" dirty="0"/>
-              <a:t>language, of course, includes event windows and causality patterns as first citizens</a:t>
-            </a:r>
-          </a:p>
-        </p:txBody>
-      </p:sp>
-    </p:spTree>
-    <p:extLst>
-      <p:ext uri="{BB962C8B-B14F-4D97-AF65-F5344CB8AC3E}">
-        <p14:creationId xmlns:p14="http://schemas.microsoft.com/office/powerpoint/2010/main" val="3317065267"/>
       </p:ext>
     </p:extLst>
   </p:cSld>
